--- a/slides/AAFS 2022 Presenter PP Theme 1.pptx
+++ b/slides/AAFS 2022 Presenter PP Theme 1.pptx
@@ -4,16 +4,19 @@
   <p:sldMasterIdLst>
     <p:sldMasterId id="2147483648" r:id="rId1"/>
   </p:sldMasterIdLst>
+  <p:notesMasterIdLst>
+    <p:notesMasterId r:id="rId15"/>
+  </p:notesMasterIdLst>
   <p:handoutMasterIdLst>
-    <p:handoutMasterId r:id="rId15"/>
+    <p:handoutMasterId r:id="rId16"/>
   </p:handoutMasterIdLst>
   <p:sldIdLst>
     <p:sldId id="256" r:id="rId2"/>
     <p:sldId id="257" r:id="rId3"/>
-    <p:sldId id="267" r:id="rId4"/>
-    <p:sldId id="260" r:id="rId5"/>
-    <p:sldId id="262" r:id="rId6"/>
-    <p:sldId id="269" r:id="rId7"/>
+    <p:sldId id="269" r:id="rId4"/>
+    <p:sldId id="267" r:id="rId5"/>
+    <p:sldId id="260" r:id="rId6"/>
+    <p:sldId id="262" r:id="rId7"/>
     <p:sldId id="261" r:id="rId8"/>
     <p:sldId id="263" r:id="rId9"/>
     <p:sldId id="264" r:id="rId10"/>
@@ -212,7 +215,7 @@
           <a:p>
             <a:fld id="{9EB7CFE3-5CE6-4A0E-A747-2A30B202E1EB}" type="datetimeFigureOut">
               <a:rPr lang="en-US" smtClean="0"/>
-              <a:t>12/26/2021</a:t>
+              <a:t>1/3/2022</a:t>
             </a:fld>
             <a:endParaRPr lang="en-US"/>
           </a:p>
@@ -293,6 +296,355 @@
   </p:cSld>
   <p:clrMap bg1="lt1" tx1="dk1" bg2="lt2" tx2="dk2" accent1="accent1" accent2="accent2" accent3="accent3" accent4="accent4" accent5="accent5" accent6="accent6" hlink="hlink" folHlink="folHlink"/>
 </p:handoutMaster>
+</file>
+
+<file path=ppt/notesMasters/notesMaster1.xml><?xml version="1.0" encoding="utf-8"?>
+<p:notesMaster xmlns:a="http://schemas.openxmlformats.org/drawingml/2006/main" xmlns:r="http://schemas.openxmlformats.org/officeDocument/2006/relationships" xmlns:p="http://schemas.openxmlformats.org/presentationml/2006/main">
+  <p:cSld>
+    <p:bg>
+      <p:bgRef idx="1001">
+        <a:schemeClr val="bg1"/>
+      </p:bgRef>
+    </p:bg>
+    <p:spTree>
+      <p:nvGrpSpPr>
+        <p:cNvPr id="1" name=""/>
+        <p:cNvGrpSpPr/>
+        <p:nvPr/>
+      </p:nvGrpSpPr>
+      <p:grpSpPr>
+        <a:xfrm>
+          <a:off x="0" y="0"/>
+          <a:ext cx="0" cy="0"/>
+          <a:chOff x="0" y="0"/>
+          <a:chExt cx="0" cy="0"/>
+        </a:xfrm>
+      </p:grpSpPr>
+      <p:sp>
+        <p:nvSpPr>
+          <p:cNvPr id="2" name="Header Placeholder 1"/>
+          <p:cNvSpPr>
+            <a:spLocks noGrp="1"/>
+          </p:cNvSpPr>
+          <p:nvPr>
+            <p:ph type="hdr" sz="quarter"/>
+          </p:nvPr>
+        </p:nvSpPr>
+        <p:spPr>
+          <a:xfrm>
+            <a:off x="0" y="0"/>
+            <a:ext cx="2971800" cy="458788"/>
+          </a:xfrm>
+          <a:prstGeom prst="rect">
+            <a:avLst/>
+          </a:prstGeom>
+        </p:spPr>
+        <p:txBody>
+          <a:bodyPr vert="horz" lIns="91440" tIns="45720" rIns="91440" bIns="45720" rtlCol="0"/>
+          <a:lstStyle>
+            <a:lvl1pPr algn="l">
+              <a:defRPr sz="1200"/>
+            </a:lvl1pPr>
+          </a:lstStyle>
+          <a:p>
+            <a:endParaRPr lang="en-US"/>
+          </a:p>
+        </p:txBody>
+      </p:sp>
+      <p:sp>
+        <p:nvSpPr>
+          <p:cNvPr id="3" name="Date Placeholder 2"/>
+          <p:cNvSpPr>
+            <a:spLocks noGrp="1"/>
+          </p:cNvSpPr>
+          <p:nvPr>
+            <p:ph type="dt" idx="1"/>
+          </p:nvPr>
+        </p:nvSpPr>
+        <p:spPr>
+          <a:xfrm>
+            <a:off x="3884613" y="0"/>
+            <a:ext cx="2971800" cy="458788"/>
+          </a:xfrm>
+          <a:prstGeom prst="rect">
+            <a:avLst/>
+          </a:prstGeom>
+        </p:spPr>
+        <p:txBody>
+          <a:bodyPr vert="horz" lIns="91440" tIns="45720" rIns="91440" bIns="45720" rtlCol="0"/>
+          <a:lstStyle>
+            <a:lvl1pPr algn="r">
+              <a:defRPr sz="1200"/>
+            </a:lvl1pPr>
+          </a:lstStyle>
+          <a:p>
+            <a:fld id="{E3CECB73-295A-4B89-8093-1B6A4B1DCF98}" type="datetimeFigureOut">
+              <a:rPr lang="en-US" smtClean="0"/>
+              <a:t>1/4/2022</a:t>
+            </a:fld>
+            <a:endParaRPr lang="en-US"/>
+          </a:p>
+        </p:txBody>
+      </p:sp>
+      <p:sp>
+        <p:nvSpPr>
+          <p:cNvPr id="4" name="Slide Image Placeholder 3"/>
+          <p:cNvSpPr>
+            <a:spLocks noGrp="1" noRot="1" noChangeAspect="1"/>
+          </p:cNvSpPr>
+          <p:nvPr>
+            <p:ph type="sldImg" idx="2"/>
+          </p:nvPr>
+        </p:nvSpPr>
+        <p:spPr>
+          <a:xfrm>
+            <a:off x="685800" y="1143000"/>
+            <a:ext cx="5486400" cy="3086100"/>
+          </a:xfrm>
+          <a:prstGeom prst="rect">
+            <a:avLst/>
+          </a:prstGeom>
+          <a:noFill/>
+          <a:ln w="12700">
+            <a:solidFill>
+              <a:prstClr val="black"/>
+            </a:solidFill>
+          </a:ln>
+        </p:spPr>
+        <p:txBody>
+          <a:bodyPr vert="horz" lIns="91440" tIns="45720" rIns="91440" bIns="45720" rtlCol="0" anchor="ctr"/>
+          <a:lstStyle/>
+          <a:p>
+            <a:endParaRPr lang="en-US"/>
+          </a:p>
+        </p:txBody>
+      </p:sp>
+      <p:sp>
+        <p:nvSpPr>
+          <p:cNvPr id="5" name="Notes Placeholder 4"/>
+          <p:cNvSpPr>
+            <a:spLocks noGrp="1"/>
+          </p:cNvSpPr>
+          <p:nvPr>
+            <p:ph type="body" sz="quarter" idx="3"/>
+          </p:nvPr>
+        </p:nvSpPr>
+        <p:spPr>
+          <a:xfrm>
+            <a:off x="685800" y="4400550"/>
+            <a:ext cx="5486400" cy="3600450"/>
+          </a:xfrm>
+          <a:prstGeom prst="rect">
+            <a:avLst/>
+          </a:prstGeom>
+        </p:spPr>
+        <p:txBody>
+          <a:bodyPr vert="horz" lIns="91440" tIns="45720" rIns="91440" bIns="45720" rtlCol="0"/>
+          <a:lstStyle/>
+          <a:p>
+            <a:pPr lvl="0"/>
+            <a:r>
+              <a:rPr lang="en-US"/>
+              <a:t>Click to edit Master text styles</a:t>
+            </a:r>
+          </a:p>
+          <a:p>
+            <a:pPr lvl="1"/>
+            <a:r>
+              <a:rPr lang="en-US"/>
+              <a:t>Second level</a:t>
+            </a:r>
+          </a:p>
+          <a:p>
+            <a:pPr lvl="2"/>
+            <a:r>
+              <a:rPr lang="en-US"/>
+              <a:t>Third level</a:t>
+            </a:r>
+          </a:p>
+          <a:p>
+            <a:pPr lvl="3"/>
+            <a:r>
+              <a:rPr lang="en-US"/>
+              <a:t>Fourth level</a:t>
+            </a:r>
+          </a:p>
+          <a:p>
+            <a:pPr lvl="4"/>
+            <a:r>
+              <a:rPr lang="en-US"/>
+              <a:t>Fifth level</a:t>
+            </a:r>
+          </a:p>
+        </p:txBody>
+      </p:sp>
+      <p:sp>
+        <p:nvSpPr>
+          <p:cNvPr id="6" name="Footer Placeholder 5"/>
+          <p:cNvSpPr>
+            <a:spLocks noGrp="1"/>
+          </p:cNvSpPr>
+          <p:nvPr>
+            <p:ph type="ftr" sz="quarter" idx="4"/>
+          </p:nvPr>
+        </p:nvSpPr>
+        <p:spPr>
+          <a:xfrm>
+            <a:off x="0" y="8685213"/>
+            <a:ext cx="2971800" cy="458787"/>
+          </a:xfrm>
+          <a:prstGeom prst="rect">
+            <a:avLst/>
+          </a:prstGeom>
+        </p:spPr>
+        <p:txBody>
+          <a:bodyPr vert="horz" lIns="91440" tIns="45720" rIns="91440" bIns="45720" rtlCol="0" anchor="b"/>
+          <a:lstStyle>
+            <a:lvl1pPr algn="l">
+              <a:defRPr sz="1200"/>
+            </a:lvl1pPr>
+          </a:lstStyle>
+          <a:p>
+            <a:endParaRPr lang="en-US"/>
+          </a:p>
+        </p:txBody>
+      </p:sp>
+      <p:sp>
+        <p:nvSpPr>
+          <p:cNvPr id="7" name="Slide Number Placeholder 6"/>
+          <p:cNvSpPr>
+            <a:spLocks noGrp="1"/>
+          </p:cNvSpPr>
+          <p:nvPr>
+            <p:ph type="sldNum" sz="quarter" idx="5"/>
+          </p:nvPr>
+        </p:nvSpPr>
+        <p:spPr>
+          <a:xfrm>
+            <a:off x="3884613" y="8685213"/>
+            <a:ext cx="2971800" cy="458787"/>
+          </a:xfrm>
+          <a:prstGeom prst="rect">
+            <a:avLst/>
+          </a:prstGeom>
+        </p:spPr>
+        <p:txBody>
+          <a:bodyPr vert="horz" lIns="91440" tIns="45720" rIns="91440" bIns="45720" rtlCol="0" anchor="b"/>
+          <a:lstStyle>
+            <a:lvl1pPr algn="r">
+              <a:defRPr sz="1200"/>
+            </a:lvl1pPr>
+          </a:lstStyle>
+          <a:p>
+            <a:fld id="{A91D625B-5562-447C-8E45-9FD0C957D274}" type="slidenum">
+              <a:rPr lang="en-US" smtClean="0"/>
+              <a:t>‹#›</a:t>
+            </a:fld>
+            <a:endParaRPr lang="en-US"/>
+          </a:p>
+        </p:txBody>
+      </p:sp>
+    </p:spTree>
+    <p:extLst>
+      <p:ext uri="{BB962C8B-B14F-4D97-AF65-F5344CB8AC3E}">
+        <p14:creationId xmlns:p14="http://schemas.microsoft.com/office/powerpoint/2010/main" val="2776663172"/>
+      </p:ext>
+    </p:extLst>
+  </p:cSld>
+  <p:clrMap bg1="lt1" tx1="dk1" bg2="lt2" tx2="dk2" accent1="accent1" accent2="accent2" accent3="accent3" accent4="accent4" accent5="accent5" accent6="accent6" hlink="hlink" folHlink="folHlink"/>
+  <p:notesStyle>
+    <a:lvl1pPr marL="0" algn="l" defTabSz="914400" rtl="0" eaLnBrk="1" latinLnBrk="0" hangingPunct="1">
+      <a:defRPr sz="1200" kern="1200">
+        <a:solidFill>
+          <a:schemeClr val="tx1"/>
+        </a:solidFill>
+        <a:latin typeface="+mn-lt"/>
+        <a:ea typeface="+mn-ea"/>
+        <a:cs typeface="+mn-cs"/>
+      </a:defRPr>
+    </a:lvl1pPr>
+    <a:lvl2pPr marL="457200" algn="l" defTabSz="914400" rtl="0" eaLnBrk="1" latinLnBrk="0" hangingPunct="1">
+      <a:defRPr sz="1200" kern="1200">
+        <a:solidFill>
+          <a:schemeClr val="tx1"/>
+        </a:solidFill>
+        <a:latin typeface="+mn-lt"/>
+        <a:ea typeface="+mn-ea"/>
+        <a:cs typeface="+mn-cs"/>
+      </a:defRPr>
+    </a:lvl2pPr>
+    <a:lvl3pPr marL="914400" algn="l" defTabSz="914400" rtl="0" eaLnBrk="1" latinLnBrk="0" hangingPunct="1">
+      <a:defRPr sz="1200" kern="1200">
+        <a:solidFill>
+          <a:schemeClr val="tx1"/>
+        </a:solidFill>
+        <a:latin typeface="+mn-lt"/>
+        <a:ea typeface="+mn-ea"/>
+        <a:cs typeface="+mn-cs"/>
+      </a:defRPr>
+    </a:lvl3pPr>
+    <a:lvl4pPr marL="1371600" algn="l" defTabSz="914400" rtl="0" eaLnBrk="1" latinLnBrk="0" hangingPunct="1">
+      <a:defRPr sz="1200" kern="1200">
+        <a:solidFill>
+          <a:schemeClr val="tx1"/>
+        </a:solidFill>
+        <a:latin typeface="+mn-lt"/>
+        <a:ea typeface="+mn-ea"/>
+        <a:cs typeface="+mn-cs"/>
+      </a:defRPr>
+    </a:lvl4pPr>
+    <a:lvl5pPr marL="1828800" algn="l" defTabSz="914400" rtl="0" eaLnBrk="1" latinLnBrk="0" hangingPunct="1">
+      <a:defRPr sz="1200" kern="1200">
+        <a:solidFill>
+          <a:schemeClr val="tx1"/>
+        </a:solidFill>
+        <a:latin typeface="+mn-lt"/>
+        <a:ea typeface="+mn-ea"/>
+        <a:cs typeface="+mn-cs"/>
+      </a:defRPr>
+    </a:lvl5pPr>
+    <a:lvl6pPr marL="2286000" algn="l" defTabSz="914400" rtl="0" eaLnBrk="1" latinLnBrk="0" hangingPunct="1">
+      <a:defRPr sz="1200" kern="1200">
+        <a:solidFill>
+          <a:schemeClr val="tx1"/>
+        </a:solidFill>
+        <a:latin typeface="+mn-lt"/>
+        <a:ea typeface="+mn-ea"/>
+        <a:cs typeface="+mn-cs"/>
+      </a:defRPr>
+    </a:lvl6pPr>
+    <a:lvl7pPr marL="2743200" algn="l" defTabSz="914400" rtl="0" eaLnBrk="1" latinLnBrk="0" hangingPunct="1">
+      <a:defRPr sz="1200" kern="1200">
+        <a:solidFill>
+          <a:schemeClr val="tx1"/>
+        </a:solidFill>
+        <a:latin typeface="+mn-lt"/>
+        <a:ea typeface="+mn-ea"/>
+        <a:cs typeface="+mn-cs"/>
+      </a:defRPr>
+    </a:lvl7pPr>
+    <a:lvl8pPr marL="3200400" algn="l" defTabSz="914400" rtl="0" eaLnBrk="1" latinLnBrk="0" hangingPunct="1">
+      <a:defRPr sz="1200" kern="1200">
+        <a:solidFill>
+          <a:schemeClr val="tx1"/>
+        </a:solidFill>
+        <a:latin typeface="+mn-lt"/>
+        <a:ea typeface="+mn-ea"/>
+        <a:cs typeface="+mn-cs"/>
+      </a:defRPr>
+    </a:lvl8pPr>
+    <a:lvl9pPr marL="3657600" algn="l" defTabSz="914400" rtl="0" eaLnBrk="1" latinLnBrk="0" hangingPunct="1">
+      <a:defRPr sz="1200" kern="1200">
+        <a:solidFill>
+          <a:schemeClr val="tx1"/>
+        </a:solidFill>
+        <a:latin typeface="+mn-lt"/>
+        <a:ea typeface="+mn-ea"/>
+        <a:cs typeface="+mn-cs"/>
+      </a:defRPr>
+    </a:lvl9pPr>
+  </p:notesStyle>
+</p:notesMaster>
 </file>
 
 <file path=ppt/slideLayouts/slideLayout1.xml><?xml version="1.0" encoding="utf-8"?>
@@ -3554,7 +3906,7 @@
           <a:bodyPr/>
           <a:lstStyle/>
           <a:p>
-            <a:endParaRPr lang="en-US"/>
+            <a:endParaRPr lang="en-US" dirty="0"/>
           </a:p>
         </p:txBody>
       </p:sp>
@@ -3638,22 +3990,18 @@
           <a:lstStyle/>
           <a:p>
             <a:r>
-              <a:rPr lang="en-US" dirty="0"/>
-              <a:t>Link to </a:t>
-            </a:r>
-            <a:r>
               <a:rPr lang="en-US" dirty="0" err="1"/>
               <a:t>cmcR</a:t>
             </a:r>
             <a:r>
               <a:rPr lang="en-US" dirty="0"/>
-              <a:t> site</a:t>
+              <a:t> Source Code: https://github.com/CSAFE-ISU/cmcR</a:t>
             </a:r>
           </a:p>
           <a:p>
             <a:r>
               <a:rPr lang="en-US" dirty="0"/>
-              <a:t>NBTRD link</a:t>
+              <a:t>NIST Database: https://tsapps.nist.gov/NRBTD/Studies/Search</a:t>
             </a:r>
           </a:p>
           <a:p>
@@ -3846,19 +4194,19 @@
           <a:p>
             <a:r>
               <a:rPr lang="en-US" dirty="0"/>
+              <a:t>Cartridge case analysis</a:t>
+            </a:r>
+          </a:p>
+          <a:p>
+            <a:r>
+              <a:rPr lang="en-US" dirty="0"/>
               <a:t>Algorithms &amp; open-source code</a:t>
             </a:r>
           </a:p>
           <a:p>
             <a:r>
               <a:rPr lang="en-US" dirty="0"/>
-              <a:t>Cartridge case analysis</a:t>
-            </a:r>
-          </a:p>
-          <a:p>
-            <a:r>
-              <a:rPr lang="en-US" dirty="0"/>
-              <a:t>The CMC pipeline</a:t>
+              <a:t>The Congruent Matching Cells pipeline</a:t>
             </a:r>
           </a:p>
           <a:p>
@@ -3927,7 +4275,7 @@
           <p:cNvPr id="2" name="Title 1">
             <a:extLst>
               <a:ext uri="{FF2B5EF4-FFF2-40B4-BE49-F238E27FC236}">
-                <a16:creationId xmlns:a16="http://schemas.microsoft.com/office/drawing/2014/main" id="{160A0890-C742-4BE5-97F3-DC07087F262F}"/>
+                <a16:creationId xmlns:a16="http://schemas.microsoft.com/office/drawing/2014/main" id="{D1A56396-70FE-47B7-95CF-4A23EE2C341D}"/>
               </a:ext>
             </a:extLst>
           </p:cNvPr>
@@ -3945,43 +4293,50 @@
           <a:p>
             <a:r>
               <a:rPr lang="en-US" dirty="0"/>
-              <a:t>Algorithms as Data-to-Results Pipelines</a:t>
-            </a:r>
-          </a:p>
-        </p:txBody>
-      </p:sp>
-      <p:sp>
-        <p:nvSpPr>
-          <p:cNvPr id="3" name="Content Placeholder 2">
+              <a:t>Cartridge Case Analysis</a:t>
+            </a:r>
+          </a:p>
+        </p:txBody>
+      </p:sp>
+      <p:pic>
+        <p:nvPicPr>
+          <p:cNvPr id="5" name="Content Placeholder 4" descr="A picture containing electronics&#10;&#10;Description automatically generated">
             <a:extLst>
               <a:ext uri="{FF2B5EF4-FFF2-40B4-BE49-F238E27FC236}">
-                <a16:creationId xmlns:a16="http://schemas.microsoft.com/office/drawing/2014/main" id="{07FF6B88-FA66-4E2F-A774-F87D396FC653}"/>
+                <a16:creationId xmlns:a16="http://schemas.microsoft.com/office/drawing/2014/main" id="{5F88E781-EF65-4CBA-A6DA-7B6B7579A8CC}"/>
               </a:ext>
             </a:extLst>
           </p:cNvPr>
-          <p:cNvSpPr>
-            <a:spLocks noGrp="1"/>
-          </p:cNvSpPr>
+          <p:cNvPicPr>
+            <a:picLocks noGrp="1" noChangeAspect="1"/>
+          </p:cNvPicPr>
           <p:nvPr>
             <p:ph idx="1"/>
           </p:nvPr>
-        </p:nvSpPr>
-        <p:spPr/>
-        <p:txBody>
-          <a:bodyPr/>
-          <a:lstStyle/>
-          <a:p>
-            <a:r>
-              <a:rPr lang="en-US" dirty="0"/>
-              <a:t>[Diagram showing starting data, preprocessing, processing, and final results]</a:t>
-            </a:r>
-          </a:p>
-        </p:txBody>
-      </p:sp>
+        </p:nvPicPr>
+        <p:blipFill>
+          <a:blip r:embed="rId2">
+            <a:extLst>
+              <a:ext uri="{28A0092B-C50C-407E-A947-70E740481C1C}">
+                <a14:useLocalDpi xmlns:a14="http://schemas.microsoft.com/office/drawing/2010/main" val="0"/>
+              </a:ext>
+            </a:extLst>
+          </a:blip>
+          <a:stretch>
+            <a:fillRect/>
+          </a:stretch>
+        </p:blipFill>
+        <p:spPr>
+          <a:xfrm>
+            <a:off x="2164569" y="1836453"/>
+            <a:ext cx="7862862" cy="4083341"/>
+          </a:xfrm>
+        </p:spPr>
+      </p:pic>
     </p:spTree>
     <p:extLst>
       <p:ext uri="{BB962C8B-B14F-4D97-AF65-F5344CB8AC3E}">
-        <p14:creationId xmlns:p14="http://schemas.microsoft.com/office/powerpoint/2010/main" val="1208506046"/>
+        <p14:creationId xmlns:p14="http://schemas.microsoft.com/office/powerpoint/2010/main" val="1123406913"/>
       </p:ext>
     </p:extLst>
   </p:cSld>
@@ -4013,7 +4368,7 @@
           <p:cNvPr id="2" name="Title 1">
             <a:extLst>
               <a:ext uri="{FF2B5EF4-FFF2-40B4-BE49-F238E27FC236}">
-                <a16:creationId xmlns:a16="http://schemas.microsoft.com/office/drawing/2014/main" id="{C304E3FF-F62E-441A-A142-DCEF80F3D834}"/>
+                <a16:creationId xmlns:a16="http://schemas.microsoft.com/office/drawing/2014/main" id="{160A0890-C742-4BE5-97F3-DC07087F262F}"/>
               </a:ext>
             </a:extLst>
           </p:cNvPr>
@@ -4031,7 +4386,7 @@
           <a:p>
             <a:r>
               <a:rPr lang="en-US" dirty="0"/>
-              <a:t>What are Open-Source Algorithms?</a:t>
+              <a:t>Algorithms as Data-to-Results Pipelines</a:t>
             </a:r>
           </a:p>
         </p:txBody>
@@ -4041,7 +4396,7 @@
           <p:cNvPr id="3" name="Content Placeholder 2">
             <a:extLst>
               <a:ext uri="{FF2B5EF4-FFF2-40B4-BE49-F238E27FC236}">
-                <a16:creationId xmlns:a16="http://schemas.microsoft.com/office/drawing/2014/main" id="{94AEE0A9-E7AE-4ED5-938A-AB4C523F3F9C}"/>
+                <a16:creationId xmlns:a16="http://schemas.microsoft.com/office/drawing/2014/main" id="{07FF6B88-FA66-4E2F-A774-F87D396FC653}"/>
               </a:ext>
             </a:extLst>
           </p:cNvPr>
@@ -4052,19 +4407,321 @@
             <p:ph idx="1"/>
           </p:nvPr>
         </p:nvSpPr>
-        <p:spPr/>
+        <p:spPr>
+          <a:xfrm>
+            <a:off x="838200" y="1866265"/>
+            <a:ext cx="10515600" cy="1911625"/>
+          </a:xfrm>
+        </p:spPr>
         <p:txBody>
           <a:bodyPr/>
           <a:lstStyle/>
           <a:p>
-            <a:endParaRPr lang="en-US" dirty="0"/>
+            <a:r>
+              <a:rPr lang="en-US" u="sng" dirty="0"/>
+              <a:t>Algorithm:</a:t>
+            </a:r>
+            <a:r>
+              <a:rPr lang="en-US" i="1" dirty="0"/>
+              <a:t> A set of instructions used to perform a computation.</a:t>
+            </a:r>
+          </a:p>
+          <a:p>
+            <a:r>
+              <a:rPr lang="en-US" dirty="0"/>
+              <a:t>Can be used to measure the similarity between evidence.</a:t>
+            </a:r>
+          </a:p>
+        </p:txBody>
+      </p:sp>
+      <p:pic>
+        <p:nvPicPr>
+          <p:cNvPr id="5" name="Picture 4" descr="A picture containing electronics&#10;&#10;Description automatically generated">
+            <a:extLst>
+              <a:ext uri="{FF2B5EF4-FFF2-40B4-BE49-F238E27FC236}">
+                <a16:creationId xmlns:a16="http://schemas.microsoft.com/office/drawing/2014/main" id="{06CE3C66-30E2-4FEF-95B7-9B55B0BF84D7}"/>
+              </a:ext>
+            </a:extLst>
+          </p:cNvPr>
+          <p:cNvPicPr>
+            <a:picLocks noChangeAspect="1"/>
+          </p:cNvPicPr>
+          <p:nvPr/>
+        </p:nvPicPr>
+        <p:blipFill>
+          <a:blip r:embed="rId2" cstate="print">
+            <a:extLst>
+              <a:ext uri="{28A0092B-C50C-407E-A947-70E740481C1C}">
+                <a14:useLocalDpi xmlns:a14="http://schemas.microsoft.com/office/drawing/2010/main" val="0"/>
+              </a:ext>
+            </a:extLst>
+          </a:blip>
+          <a:stretch>
+            <a:fillRect/>
+          </a:stretch>
+        </p:blipFill>
+        <p:spPr>
+          <a:xfrm>
+            <a:off x="439643" y="4146101"/>
+            <a:ext cx="2673984" cy="1388653"/>
+          </a:xfrm>
+          <a:prstGeom prst="rect">
+            <a:avLst/>
+          </a:prstGeom>
+        </p:spPr>
+      </p:pic>
+      <p:sp>
+        <p:nvSpPr>
+          <p:cNvPr id="6" name="TextBox 5">
+            <a:extLst>
+              <a:ext uri="{FF2B5EF4-FFF2-40B4-BE49-F238E27FC236}">
+                <a16:creationId xmlns:a16="http://schemas.microsoft.com/office/drawing/2014/main" id="{F2F05562-A6E4-4C92-B6FD-E6DB52BF6080}"/>
+              </a:ext>
+            </a:extLst>
+          </p:cNvPr>
+          <p:cNvSpPr txBox="1"/>
+          <p:nvPr/>
+        </p:nvSpPr>
+        <p:spPr>
+          <a:xfrm>
+            <a:off x="1095148" y="3804976"/>
+            <a:ext cx="1362974" cy="369332"/>
+          </a:xfrm>
+          <a:prstGeom prst="rect">
+            <a:avLst/>
+          </a:prstGeom>
+          <a:noFill/>
+        </p:spPr>
+        <p:txBody>
+          <a:bodyPr wrap="square" rtlCol="0">
+            <a:spAutoFit/>
+          </a:bodyPr>
+          <a:lstStyle/>
+          <a:p>
+            <a:r>
+              <a:rPr lang="en-US" dirty="0"/>
+              <a:t>Initial Data</a:t>
+            </a:r>
+          </a:p>
+        </p:txBody>
+      </p:sp>
+      <p:sp>
+        <p:nvSpPr>
+          <p:cNvPr id="9" name="TextBox 8">
+            <a:extLst>
+              <a:ext uri="{FF2B5EF4-FFF2-40B4-BE49-F238E27FC236}">
+                <a16:creationId xmlns:a16="http://schemas.microsoft.com/office/drawing/2014/main" id="{B51246F7-9103-43AA-BC31-5B65BB981476}"/>
+              </a:ext>
+            </a:extLst>
+          </p:cNvPr>
+          <p:cNvSpPr txBox="1"/>
+          <p:nvPr/>
+        </p:nvSpPr>
+        <p:spPr>
+          <a:xfrm>
+            <a:off x="3855458" y="3807332"/>
+            <a:ext cx="1733953" cy="369332"/>
+          </a:xfrm>
+          <a:prstGeom prst="rect">
+            <a:avLst/>
+          </a:prstGeom>
+          <a:noFill/>
+        </p:spPr>
+        <p:txBody>
+          <a:bodyPr wrap="square" rtlCol="0">
+            <a:spAutoFit/>
+          </a:bodyPr>
+          <a:lstStyle/>
+          <a:p>
+            <a:r>
+              <a:rPr lang="en-US" dirty="0"/>
+              <a:t>Pre-processing</a:t>
+            </a:r>
+          </a:p>
+        </p:txBody>
+      </p:sp>
+      <p:pic>
+        <p:nvPicPr>
+          <p:cNvPr id="11" name="Picture 10" descr="Shape&#10;&#10;Description automatically generated">
+            <a:extLst>
+              <a:ext uri="{FF2B5EF4-FFF2-40B4-BE49-F238E27FC236}">
+                <a16:creationId xmlns:a16="http://schemas.microsoft.com/office/drawing/2014/main" id="{5F3CD946-C130-49EA-8CBB-5BE29592BB0D}"/>
+              </a:ext>
+            </a:extLst>
+          </p:cNvPr>
+          <p:cNvPicPr>
+            <a:picLocks noChangeAspect="1"/>
+          </p:cNvPicPr>
+          <p:nvPr/>
+        </p:nvPicPr>
+        <p:blipFill rotWithShape="1">
+          <a:blip r:embed="rId3">
+            <a:extLst>
+              <a:ext uri="{28A0092B-C50C-407E-A947-70E740481C1C}">
+                <a14:useLocalDpi xmlns:a14="http://schemas.microsoft.com/office/drawing/2010/main" val="0"/>
+              </a:ext>
+            </a:extLst>
+          </a:blip>
+          <a:srcRect l="1422" t="23704" r="19209" b="20078"/>
+          <a:stretch/>
+        </p:blipFill>
+        <p:spPr>
+          <a:xfrm>
+            <a:off x="3348871" y="4133825"/>
+            <a:ext cx="2747128" cy="1389888"/>
+          </a:xfrm>
+          <a:prstGeom prst="rect">
+            <a:avLst/>
+          </a:prstGeom>
+        </p:spPr>
+      </p:pic>
+      <p:pic>
+        <p:nvPicPr>
+          <p:cNvPr id="13" name="Picture 12" descr="Diagram&#10;&#10;Description automatically generated">
+            <a:extLst>
+              <a:ext uri="{FF2B5EF4-FFF2-40B4-BE49-F238E27FC236}">
+                <a16:creationId xmlns:a16="http://schemas.microsoft.com/office/drawing/2014/main" id="{1945A8E7-2EA6-4F51-9788-6C9613B306F2}"/>
+              </a:ext>
+            </a:extLst>
+          </p:cNvPr>
+          <p:cNvPicPr>
+            <a:picLocks noChangeAspect="1"/>
+          </p:cNvPicPr>
+          <p:nvPr/>
+        </p:nvPicPr>
+        <p:blipFill>
+          <a:blip r:embed="rId4" cstate="print">
+            <a:extLst>
+              <a:ext uri="{28A0092B-C50C-407E-A947-70E740481C1C}">
+                <a14:useLocalDpi xmlns:a14="http://schemas.microsoft.com/office/drawing/2010/main" val="0"/>
+              </a:ext>
+            </a:extLst>
+          </a:blip>
+          <a:stretch>
+            <a:fillRect/>
+          </a:stretch>
+        </p:blipFill>
+        <p:spPr>
+          <a:xfrm>
+            <a:off x="6331242" y="4117526"/>
+            <a:ext cx="2842444" cy="1389888"/>
+          </a:xfrm>
+          <a:prstGeom prst="rect">
+            <a:avLst/>
+          </a:prstGeom>
+        </p:spPr>
+      </p:pic>
+      <p:pic>
+        <p:nvPicPr>
+          <p:cNvPr id="15" name="Picture 14" descr="Shape&#10;&#10;Description automatically generated">
+            <a:extLst>
+              <a:ext uri="{FF2B5EF4-FFF2-40B4-BE49-F238E27FC236}">
+                <a16:creationId xmlns:a16="http://schemas.microsoft.com/office/drawing/2014/main" id="{EDF9DFCE-7936-4530-A39E-0585EA455CBF}"/>
+              </a:ext>
+            </a:extLst>
+          </p:cNvPr>
+          <p:cNvPicPr>
+            <a:picLocks noChangeAspect="1"/>
+          </p:cNvPicPr>
+          <p:nvPr/>
+        </p:nvPicPr>
+        <p:blipFill rotWithShape="1">
+          <a:blip r:embed="rId5">
+            <a:extLst>
+              <a:ext uri="{28A0092B-C50C-407E-A947-70E740481C1C}">
+                <a14:useLocalDpi xmlns:a14="http://schemas.microsoft.com/office/drawing/2010/main" val="0"/>
+              </a:ext>
+            </a:extLst>
+          </a:blip>
+          <a:srcRect l="9524" t="1886" r="9127" b="78805"/>
+          <a:stretch/>
+        </p:blipFill>
+        <p:spPr>
+          <a:xfrm>
+            <a:off x="9408929" y="4117526"/>
+            <a:ext cx="2561889" cy="1389888"/>
+          </a:xfrm>
+          <a:prstGeom prst="rect">
+            <a:avLst/>
+          </a:prstGeom>
+        </p:spPr>
+      </p:pic>
+      <p:sp>
+        <p:nvSpPr>
+          <p:cNvPr id="16" name="TextBox 15">
+            <a:extLst>
+              <a:ext uri="{FF2B5EF4-FFF2-40B4-BE49-F238E27FC236}">
+                <a16:creationId xmlns:a16="http://schemas.microsoft.com/office/drawing/2014/main" id="{F1B35B2E-62B0-4F18-AE29-47605AF590DF}"/>
+              </a:ext>
+            </a:extLst>
+          </p:cNvPr>
+          <p:cNvSpPr txBox="1"/>
+          <p:nvPr/>
+        </p:nvSpPr>
+        <p:spPr>
+          <a:xfrm>
+            <a:off x="7028756" y="3777890"/>
+            <a:ext cx="1447415" cy="369332"/>
+          </a:xfrm>
+          <a:prstGeom prst="rect">
+            <a:avLst/>
+          </a:prstGeom>
+          <a:noFill/>
+        </p:spPr>
+        <p:txBody>
+          <a:bodyPr wrap="square" rtlCol="0">
+            <a:spAutoFit/>
+          </a:bodyPr>
+          <a:lstStyle/>
+          <a:p>
+            <a:pPr algn="ctr"/>
+            <a:r>
+              <a:rPr lang="en-US" dirty="0"/>
+              <a:t>Comparison</a:t>
+            </a:r>
+          </a:p>
+        </p:txBody>
+      </p:sp>
+      <p:sp>
+        <p:nvSpPr>
+          <p:cNvPr id="17" name="TextBox 16">
+            <a:extLst>
+              <a:ext uri="{FF2B5EF4-FFF2-40B4-BE49-F238E27FC236}">
+                <a16:creationId xmlns:a16="http://schemas.microsoft.com/office/drawing/2014/main" id="{9AF1307D-0B7A-4AC1-B2C6-344FBAAA69FF}"/>
+              </a:ext>
+            </a:extLst>
+          </p:cNvPr>
+          <p:cNvSpPr txBox="1"/>
+          <p:nvPr/>
+        </p:nvSpPr>
+        <p:spPr>
+          <a:xfrm>
+            <a:off x="9934752" y="3773788"/>
+            <a:ext cx="1510241" cy="369332"/>
+          </a:xfrm>
+          <a:prstGeom prst="rect">
+            <a:avLst/>
+          </a:prstGeom>
+          <a:noFill/>
+        </p:spPr>
+        <p:txBody>
+          <a:bodyPr wrap="square" rtlCol="0">
+            <a:spAutoFit/>
+          </a:bodyPr>
+          <a:lstStyle/>
+          <a:p>
+            <a:pPr algn="ctr"/>
+            <a:r>
+              <a:rPr lang="en-US" dirty="0"/>
+              <a:t>Final Results</a:t>
+            </a:r>
           </a:p>
         </p:txBody>
       </p:sp>
     </p:spTree>
     <p:extLst>
       <p:ext uri="{BB962C8B-B14F-4D97-AF65-F5344CB8AC3E}">
-        <p14:creationId xmlns:p14="http://schemas.microsoft.com/office/powerpoint/2010/main" val="3402915395"/>
+        <p14:creationId xmlns:p14="http://schemas.microsoft.com/office/powerpoint/2010/main" val="1208506046"/>
       </p:ext>
     </p:extLst>
   </p:cSld>
@@ -4096,7 +4753,7 @@
           <p:cNvPr id="2" name="Title 1">
             <a:extLst>
               <a:ext uri="{FF2B5EF4-FFF2-40B4-BE49-F238E27FC236}">
-                <a16:creationId xmlns:a16="http://schemas.microsoft.com/office/drawing/2014/main" id="{53E401B2-9D3D-4C5C-B278-630A4F3E8B0F}"/>
+                <a16:creationId xmlns:a16="http://schemas.microsoft.com/office/drawing/2014/main" id="{C304E3FF-F62E-441A-A142-DCEF80F3D834}"/>
               </a:ext>
             </a:extLst>
           </p:cNvPr>
@@ -4114,7 +4771,15 @@
           <a:p>
             <a:r>
               <a:rPr lang="en-US" dirty="0"/>
-              <a:t>Open-Source and Reproducibility</a:t>
+              <a:t>What are </a:t>
+            </a:r>
+            <a:r>
+              <a:rPr lang="en-US" i="1" dirty="0"/>
+              <a:t>Open-Source</a:t>
+            </a:r>
+            <a:r>
+              <a:rPr lang="en-US" dirty="0"/>
+              <a:t> Algorithms?</a:t>
             </a:r>
           </a:p>
         </p:txBody>
@@ -4124,7 +4789,7 @@
           <p:cNvPr id="3" name="Content Placeholder 2">
             <a:extLst>
               <a:ext uri="{FF2B5EF4-FFF2-40B4-BE49-F238E27FC236}">
-                <a16:creationId xmlns:a16="http://schemas.microsoft.com/office/drawing/2014/main" id="{B3FBB8D3-BA77-416B-BAC0-69C2BA017BE9}"/>
+                <a16:creationId xmlns:a16="http://schemas.microsoft.com/office/drawing/2014/main" id="{94AEE0A9-E7AE-4ED5-938A-AB4C523F3F9C}"/>
               </a:ext>
             </a:extLst>
           </p:cNvPr>
@@ -4137,67 +4802,12 @@
         </p:nvSpPr>
         <p:spPr/>
         <p:txBody>
-          <a:bodyPr>
-            <a:normAutofit lnSpcReduction="10000"/>
-          </a:bodyPr>
-          <a:lstStyle/>
-          <a:p>
-            <a:r>
-              <a:rPr lang="en-US" i="1" dirty="0"/>
-              <a:t>Reproducibility</a:t>
-            </a:r>
-            <a:endParaRPr lang="en-US" dirty="0"/>
-          </a:p>
-          <a:p>
-            <a:pPr lvl="1"/>
+          <a:bodyPr/>
+          <a:lstStyle/>
+          <a:p>
             <a:r>
               <a:rPr lang="en-US" dirty="0"/>
-              <a:t>“Obtaining consistent computational results using the same input data, computational steps, methods, code, and conditions of analysis.” (NASEM, 2019)</a:t>
-            </a:r>
-            <a:endParaRPr lang="en-US" i="1" dirty="0"/>
-          </a:p>
-          <a:p>
-            <a:endParaRPr lang="en-US" dirty="0"/>
-          </a:p>
-          <a:p>
-            <a:r>
-              <a:rPr lang="en-US" dirty="0"/>
-              <a:t>Hierarchy of Reproducibility</a:t>
-            </a:r>
-          </a:p>
-          <a:p>
-            <a:pPr lvl="1"/>
-            <a:r>
-              <a:rPr lang="en-US" dirty="0"/>
-              <a:t>Conceptual description</a:t>
-            </a:r>
-          </a:p>
-          <a:p>
-            <a:pPr lvl="1"/>
-            <a:r>
-              <a:rPr lang="en-US" dirty="0"/>
-              <a:t>Pseudocode</a:t>
-            </a:r>
-          </a:p>
-          <a:p>
-            <a:pPr lvl="1"/>
-            <a:r>
-              <a:rPr lang="en-US" dirty="0"/>
-              <a:t>Reproducible data</a:t>
-            </a:r>
-          </a:p>
-          <a:p>
-            <a:pPr lvl="1"/>
-            <a:r>
-              <a:rPr lang="en-US" dirty="0"/>
-              <a:t>Comparable results</a:t>
-            </a:r>
-          </a:p>
-          <a:p>
-            <a:pPr lvl="1"/>
-            <a:r>
-              <a:rPr lang="en-US" dirty="0"/>
-              <a:t>Full reproducibility</a:t>
+              <a:t>Code is freely available for investigation and experimentation</a:t>
             </a:r>
           </a:p>
         </p:txBody>
@@ -4205,7 +4815,7 @@
     </p:spTree>
     <p:extLst>
       <p:ext uri="{BB962C8B-B14F-4D97-AF65-F5344CB8AC3E}">
-        <p14:creationId xmlns:p14="http://schemas.microsoft.com/office/powerpoint/2010/main" val="1751873307"/>
+        <p14:creationId xmlns:p14="http://schemas.microsoft.com/office/powerpoint/2010/main" val="3402915395"/>
       </p:ext>
     </p:extLst>
   </p:cSld>
@@ -4237,7 +4847,7 @@
           <p:cNvPr id="2" name="Title 1">
             <a:extLst>
               <a:ext uri="{FF2B5EF4-FFF2-40B4-BE49-F238E27FC236}">
-                <a16:creationId xmlns:a16="http://schemas.microsoft.com/office/drawing/2014/main" id="{D1A56396-70FE-47B7-95CF-4A23EE2C341D}"/>
+                <a16:creationId xmlns:a16="http://schemas.microsoft.com/office/drawing/2014/main" id="{53E401B2-9D3D-4C5C-B278-630A4F3E8B0F}"/>
               </a:ext>
             </a:extLst>
           </p:cNvPr>
@@ -4255,7 +4865,7 @@
           <a:p>
             <a:r>
               <a:rPr lang="en-US" dirty="0"/>
-              <a:t>Cartridge Case Analysis</a:t>
+              <a:t>Open-Source and Reproducibility</a:t>
             </a:r>
           </a:p>
         </p:txBody>
@@ -4265,7 +4875,7 @@
           <p:cNvPr id="3" name="Content Placeholder 2">
             <a:extLst>
               <a:ext uri="{FF2B5EF4-FFF2-40B4-BE49-F238E27FC236}">
-                <a16:creationId xmlns:a16="http://schemas.microsoft.com/office/drawing/2014/main" id="{9F74E011-F3A5-4796-B9C0-65BEB8D8A275}"/>
+                <a16:creationId xmlns:a16="http://schemas.microsoft.com/office/drawing/2014/main" id="{B3FBB8D3-BA77-416B-BAC0-69C2BA017BE9}"/>
               </a:ext>
             </a:extLst>
           </p:cNvPr>
@@ -4278,17 +4888,75 @@
         </p:nvSpPr>
         <p:spPr/>
         <p:txBody>
-          <a:bodyPr/>
-          <a:lstStyle/>
-          <a:p>
-            <a:endParaRPr lang="en-US"/>
+          <a:bodyPr>
+            <a:normAutofit lnSpcReduction="10000"/>
+          </a:bodyPr>
+          <a:lstStyle/>
+          <a:p>
+            <a:r>
+              <a:rPr lang="en-US" i="1" dirty="0"/>
+              <a:t>Reproducibility</a:t>
+            </a:r>
+            <a:endParaRPr lang="en-US" dirty="0"/>
+          </a:p>
+          <a:p>
+            <a:pPr lvl="1"/>
+            <a:r>
+              <a:rPr lang="en-US" dirty="0"/>
+              <a:t>“Obtaining consistent computational results using the same input data, computational steps, methods, code, and conditions of analysis.” (NASEM, 2019)</a:t>
+            </a:r>
+            <a:endParaRPr lang="en-US" i="1" dirty="0"/>
+          </a:p>
+          <a:p>
+            <a:endParaRPr lang="en-US" dirty="0"/>
+          </a:p>
+          <a:p>
+            <a:r>
+              <a:rPr lang="en-US" dirty="0"/>
+              <a:t>Hierarchy of Reproducibility</a:t>
+            </a:r>
+          </a:p>
+          <a:p>
+            <a:pPr lvl="1"/>
+            <a:r>
+              <a:rPr lang="en-US" dirty="0"/>
+              <a:t>Conceptual description</a:t>
+            </a:r>
+          </a:p>
+          <a:p>
+            <a:pPr lvl="1"/>
+            <a:r>
+              <a:rPr lang="en-US" dirty="0"/>
+              <a:t>Pseudocode</a:t>
+            </a:r>
+          </a:p>
+          <a:p>
+            <a:pPr lvl="1"/>
+            <a:r>
+              <a:rPr lang="en-US" dirty="0"/>
+              <a:t>Reproducible data</a:t>
+            </a:r>
+          </a:p>
+          <a:p>
+            <a:pPr lvl="1"/>
+            <a:r>
+              <a:rPr lang="en-US" dirty="0"/>
+              <a:t>Comparable results</a:t>
+            </a:r>
+          </a:p>
+          <a:p>
+            <a:pPr lvl="1"/>
+            <a:r>
+              <a:rPr lang="en-US" dirty="0"/>
+              <a:t>Full reproducibility</a:t>
+            </a:r>
           </a:p>
         </p:txBody>
       </p:sp>
     </p:spTree>
     <p:extLst>
       <p:ext uri="{BB962C8B-B14F-4D97-AF65-F5344CB8AC3E}">
-        <p14:creationId xmlns:p14="http://schemas.microsoft.com/office/powerpoint/2010/main" val="1123406913"/>
+        <p14:creationId xmlns:p14="http://schemas.microsoft.com/office/powerpoint/2010/main" val="1751873307"/>
       </p:ext>
     </p:extLst>
   </p:cSld>
@@ -4364,10 +5032,55 @@
           <a:bodyPr/>
           <a:lstStyle/>
           <a:p>
-            <a:endParaRPr lang="en-US"/>
-          </a:p>
-        </p:txBody>
-      </p:sp>
+            <a:r>
+              <a:rPr lang="en-US" dirty="0"/>
+              <a:t>Developed at NIST in 2013</a:t>
+            </a:r>
+          </a:p>
+          <a:p>
+            <a:r>
+              <a:rPr lang="en-US" dirty="0"/>
+              <a:t>Measure similarity between cartridge cases</a:t>
+            </a:r>
+          </a:p>
+        </p:txBody>
+      </p:sp>
+      <p:pic>
+        <p:nvPicPr>
+          <p:cNvPr id="5" name="Picture 4" descr="Diagram&#10;&#10;Description automatically generated">
+            <a:extLst>
+              <a:ext uri="{FF2B5EF4-FFF2-40B4-BE49-F238E27FC236}">
+                <a16:creationId xmlns:a16="http://schemas.microsoft.com/office/drawing/2014/main" id="{F597B14B-998C-40F5-BD8E-B13B418D3866}"/>
+              </a:ext>
+            </a:extLst>
+          </p:cNvPr>
+          <p:cNvPicPr>
+            <a:picLocks noChangeAspect="1"/>
+          </p:cNvPicPr>
+          <p:nvPr/>
+        </p:nvPicPr>
+        <p:blipFill>
+          <a:blip r:embed="rId2" cstate="print">
+            <a:extLst>
+              <a:ext uri="{28A0092B-C50C-407E-A947-70E740481C1C}">
+                <a14:useLocalDpi xmlns:a14="http://schemas.microsoft.com/office/drawing/2010/main" val="0"/>
+              </a:ext>
+            </a:extLst>
+          </a:blip>
+          <a:stretch>
+            <a:fillRect/>
+          </a:stretch>
+        </p:blipFill>
+        <p:spPr>
+          <a:xfrm>
+            <a:off x="3247974" y="3429000"/>
+            <a:ext cx="4837532" cy="2365439"/>
+          </a:xfrm>
+          <a:prstGeom prst="rect">
+            <a:avLst/>
+          </a:prstGeom>
+        </p:spPr>
+      </p:pic>
     </p:spTree>
     <p:extLst>
       <p:ext uri="{BB962C8B-B14F-4D97-AF65-F5344CB8AC3E}">
@@ -4939,6 +5652,301 @@
         <a:srgbClr val="E7E6E6"/>
       </a:lt2>
       <a:accent1>
+        <a:srgbClr val="4472C4"/>
+      </a:accent1>
+      <a:accent2>
+        <a:srgbClr val="ED7D31"/>
+      </a:accent2>
+      <a:accent3>
+        <a:srgbClr val="A5A5A5"/>
+      </a:accent3>
+      <a:accent4>
+        <a:srgbClr val="FFC000"/>
+      </a:accent4>
+      <a:accent5>
+        <a:srgbClr val="5B9BD5"/>
+      </a:accent5>
+      <a:accent6>
+        <a:srgbClr val="70AD47"/>
+      </a:accent6>
+      <a:hlink>
+        <a:srgbClr val="0563C1"/>
+      </a:hlink>
+      <a:folHlink>
+        <a:srgbClr val="954F72"/>
+      </a:folHlink>
+    </a:clrScheme>
+    <a:fontScheme name="Office">
+      <a:majorFont>
+        <a:latin typeface="Calibri Light" panose="020F0302020204030204"/>
+        <a:ea typeface=""/>
+        <a:cs typeface=""/>
+        <a:font script="Jpan" typeface="游ゴシック Light"/>
+        <a:font script="Hang" typeface="맑은 고딕"/>
+        <a:font script="Hans" typeface="等线 Light"/>
+        <a:font script="Hant" typeface="新細明體"/>
+        <a:font script="Arab" typeface="Times New Roman"/>
+        <a:font script="Hebr" typeface="Times New Roman"/>
+        <a:font script="Thai" typeface="Angsana New"/>
+        <a:font script="Ethi" typeface="Nyala"/>
+        <a:font script="Beng" typeface="Vrinda"/>
+        <a:font script="Gujr" typeface="Shruti"/>
+        <a:font script="Khmr" typeface="MoolBoran"/>
+        <a:font script="Knda" typeface="Tunga"/>
+        <a:font script="Guru" typeface="Raavi"/>
+        <a:font script="Cans" typeface="Euphemia"/>
+        <a:font script="Cher" typeface="Plantagenet Cherokee"/>
+        <a:font script="Yiii" typeface="Microsoft Yi Baiti"/>
+        <a:font script="Tibt" typeface="Microsoft Himalaya"/>
+        <a:font script="Thaa" typeface="MV Boli"/>
+        <a:font script="Deva" typeface="Mangal"/>
+        <a:font script="Telu" typeface="Gautami"/>
+        <a:font script="Taml" typeface="Latha"/>
+        <a:font script="Syrc" typeface="Estrangelo Edessa"/>
+        <a:font script="Orya" typeface="Kalinga"/>
+        <a:font script="Mlym" typeface="Kartika"/>
+        <a:font script="Laoo" typeface="DokChampa"/>
+        <a:font script="Sinh" typeface="Iskoola Pota"/>
+        <a:font script="Mong" typeface="Mongolian Baiti"/>
+        <a:font script="Viet" typeface="Times New Roman"/>
+        <a:font script="Uigh" typeface="Microsoft Uighur"/>
+        <a:font script="Geor" typeface="Sylfaen"/>
+        <a:font script="Armn" typeface="Arial"/>
+        <a:font script="Bugi" typeface="Leelawadee UI"/>
+        <a:font script="Bopo" typeface="Microsoft JhengHei"/>
+        <a:font script="Java" typeface="Javanese Text"/>
+        <a:font script="Lisu" typeface="Segoe UI"/>
+        <a:font script="Mymr" typeface="Myanmar Text"/>
+        <a:font script="Nkoo" typeface="Ebrima"/>
+        <a:font script="Olck" typeface="Nirmala UI"/>
+        <a:font script="Osma" typeface="Ebrima"/>
+        <a:font script="Phag" typeface="Phagspa"/>
+        <a:font script="Syrn" typeface="Estrangelo Edessa"/>
+        <a:font script="Syrj" typeface="Estrangelo Edessa"/>
+        <a:font script="Syre" typeface="Estrangelo Edessa"/>
+        <a:font script="Sora" typeface="Nirmala UI"/>
+        <a:font script="Tale" typeface="Microsoft Tai Le"/>
+        <a:font script="Talu" typeface="Microsoft New Tai Lue"/>
+        <a:font script="Tfng" typeface="Ebrima"/>
+      </a:majorFont>
+      <a:minorFont>
+        <a:latin typeface="Calibri" panose="020F0502020204030204"/>
+        <a:ea typeface=""/>
+        <a:cs typeface=""/>
+        <a:font script="Jpan" typeface="游ゴシック"/>
+        <a:font script="Hang" typeface="맑은 고딕"/>
+        <a:font script="Hans" typeface="等线"/>
+        <a:font script="Hant" typeface="新細明體"/>
+        <a:font script="Arab" typeface="Arial"/>
+        <a:font script="Hebr" typeface="Arial"/>
+        <a:font script="Thai" typeface="Cordia New"/>
+        <a:font script="Ethi" typeface="Nyala"/>
+        <a:font script="Beng" typeface="Vrinda"/>
+        <a:font script="Gujr" typeface="Shruti"/>
+        <a:font script="Khmr" typeface="DaunPenh"/>
+        <a:font script="Knda" typeface="Tunga"/>
+        <a:font script="Guru" typeface="Raavi"/>
+        <a:font script="Cans" typeface="Euphemia"/>
+        <a:font script="Cher" typeface="Plantagenet Cherokee"/>
+        <a:font script="Yiii" typeface="Microsoft Yi Baiti"/>
+        <a:font script="Tibt" typeface="Microsoft Himalaya"/>
+        <a:font script="Thaa" typeface="MV Boli"/>
+        <a:font script="Deva" typeface="Mangal"/>
+        <a:font script="Telu" typeface="Gautami"/>
+        <a:font script="Taml" typeface="Latha"/>
+        <a:font script="Syrc" typeface="Estrangelo Edessa"/>
+        <a:font script="Orya" typeface="Kalinga"/>
+        <a:font script="Mlym" typeface="Kartika"/>
+        <a:font script="Laoo" typeface="DokChampa"/>
+        <a:font script="Sinh" typeface="Iskoola Pota"/>
+        <a:font script="Mong" typeface="Mongolian Baiti"/>
+        <a:font script="Viet" typeface="Arial"/>
+        <a:font script="Uigh" typeface="Microsoft Uighur"/>
+        <a:font script="Geor" typeface="Sylfaen"/>
+        <a:font script="Armn" typeface="Arial"/>
+        <a:font script="Bugi" typeface="Leelawadee UI"/>
+        <a:font script="Bopo" typeface="Microsoft JhengHei"/>
+        <a:font script="Java" typeface="Javanese Text"/>
+        <a:font script="Lisu" typeface="Segoe UI"/>
+        <a:font script="Mymr" typeface="Myanmar Text"/>
+        <a:font script="Nkoo" typeface="Ebrima"/>
+        <a:font script="Olck" typeface="Nirmala UI"/>
+        <a:font script="Osma" typeface="Ebrima"/>
+        <a:font script="Phag" typeface="Phagspa"/>
+        <a:font script="Syrn" typeface="Estrangelo Edessa"/>
+        <a:font script="Syrj" typeface="Estrangelo Edessa"/>
+        <a:font script="Syre" typeface="Estrangelo Edessa"/>
+        <a:font script="Sora" typeface="Nirmala UI"/>
+        <a:font script="Tale" typeface="Microsoft Tai Le"/>
+        <a:font script="Talu" typeface="Microsoft New Tai Lue"/>
+        <a:font script="Tfng" typeface="Ebrima"/>
+      </a:minorFont>
+    </a:fontScheme>
+    <a:fmtScheme name="Office">
+      <a:fillStyleLst>
+        <a:solidFill>
+          <a:schemeClr val="phClr"/>
+        </a:solidFill>
+        <a:gradFill rotWithShape="1">
+          <a:gsLst>
+            <a:gs pos="0">
+              <a:schemeClr val="phClr">
+                <a:lumMod val="110000"/>
+                <a:satMod val="105000"/>
+                <a:tint val="67000"/>
+              </a:schemeClr>
+            </a:gs>
+            <a:gs pos="50000">
+              <a:schemeClr val="phClr">
+                <a:lumMod val="105000"/>
+                <a:satMod val="103000"/>
+                <a:tint val="73000"/>
+              </a:schemeClr>
+            </a:gs>
+            <a:gs pos="100000">
+              <a:schemeClr val="phClr">
+                <a:lumMod val="105000"/>
+                <a:satMod val="109000"/>
+                <a:tint val="81000"/>
+              </a:schemeClr>
+            </a:gs>
+          </a:gsLst>
+          <a:lin ang="5400000" scaled="0"/>
+        </a:gradFill>
+        <a:gradFill rotWithShape="1">
+          <a:gsLst>
+            <a:gs pos="0">
+              <a:schemeClr val="phClr">
+                <a:satMod val="103000"/>
+                <a:lumMod val="102000"/>
+                <a:tint val="94000"/>
+              </a:schemeClr>
+            </a:gs>
+            <a:gs pos="50000">
+              <a:schemeClr val="phClr">
+                <a:satMod val="110000"/>
+                <a:lumMod val="100000"/>
+                <a:shade val="100000"/>
+              </a:schemeClr>
+            </a:gs>
+            <a:gs pos="100000">
+              <a:schemeClr val="phClr">
+                <a:lumMod val="99000"/>
+                <a:satMod val="120000"/>
+                <a:shade val="78000"/>
+              </a:schemeClr>
+            </a:gs>
+          </a:gsLst>
+          <a:lin ang="5400000" scaled="0"/>
+        </a:gradFill>
+      </a:fillStyleLst>
+      <a:lnStyleLst>
+        <a:ln w="6350" cap="flat" cmpd="sng" algn="ctr">
+          <a:solidFill>
+            <a:schemeClr val="phClr"/>
+          </a:solidFill>
+          <a:prstDash val="solid"/>
+          <a:miter lim="800000"/>
+        </a:ln>
+        <a:ln w="12700" cap="flat" cmpd="sng" algn="ctr">
+          <a:solidFill>
+            <a:schemeClr val="phClr"/>
+          </a:solidFill>
+          <a:prstDash val="solid"/>
+          <a:miter lim="800000"/>
+        </a:ln>
+        <a:ln w="19050" cap="flat" cmpd="sng" algn="ctr">
+          <a:solidFill>
+            <a:schemeClr val="phClr"/>
+          </a:solidFill>
+          <a:prstDash val="solid"/>
+          <a:miter lim="800000"/>
+        </a:ln>
+      </a:lnStyleLst>
+      <a:effectStyleLst>
+        <a:effectStyle>
+          <a:effectLst/>
+        </a:effectStyle>
+        <a:effectStyle>
+          <a:effectLst/>
+        </a:effectStyle>
+        <a:effectStyle>
+          <a:effectLst>
+            <a:outerShdw blurRad="57150" dist="19050" dir="5400000" algn="ctr" rotWithShape="0">
+              <a:srgbClr val="000000">
+                <a:alpha val="63000"/>
+              </a:srgbClr>
+            </a:outerShdw>
+          </a:effectLst>
+        </a:effectStyle>
+      </a:effectStyleLst>
+      <a:bgFillStyleLst>
+        <a:solidFill>
+          <a:schemeClr val="phClr"/>
+        </a:solidFill>
+        <a:solidFill>
+          <a:schemeClr val="phClr">
+            <a:tint val="95000"/>
+            <a:satMod val="170000"/>
+          </a:schemeClr>
+        </a:solidFill>
+        <a:gradFill rotWithShape="1">
+          <a:gsLst>
+            <a:gs pos="0">
+              <a:schemeClr val="phClr">
+                <a:tint val="93000"/>
+                <a:satMod val="150000"/>
+                <a:shade val="98000"/>
+                <a:lumMod val="102000"/>
+              </a:schemeClr>
+            </a:gs>
+            <a:gs pos="50000">
+              <a:schemeClr val="phClr">
+                <a:tint val="98000"/>
+                <a:satMod val="130000"/>
+                <a:shade val="90000"/>
+                <a:lumMod val="103000"/>
+              </a:schemeClr>
+            </a:gs>
+            <a:gs pos="100000">
+              <a:schemeClr val="phClr">
+                <a:shade val="63000"/>
+                <a:satMod val="120000"/>
+              </a:schemeClr>
+            </a:gs>
+          </a:gsLst>
+          <a:lin ang="5400000" scaled="0"/>
+        </a:gradFill>
+      </a:bgFillStyleLst>
+    </a:fmtScheme>
+  </a:themeElements>
+  <a:objectDefaults/>
+  <a:extraClrSchemeLst/>
+  <a:extLst>
+    <a:ext uri="{05A4C25C-085E-4340-85A3-A5531E510DB2}">
+      <thm15:themeFamily xmlns:thm15="http://schemas.microsoft.com/office/thememl/2012/main" name="Office Theme" id="{62F939B6-93AF-4DB8-9C6B-D6C7DFDC589F}" vid="{4A3C46E8-61CC-4603-A589-7422A47A8E4A}"/>
+    </a:ext>
+  </a:extLst>
+</a:theme>
+</file>
+
+<file path=ppt/theme/theme3.xml><?xml version="1.0" encoding="utf-8"?>
+<a:theme xmlns:a="http://schemas.openxmlformats.org/drawingml/2006/main" name="Office Theme">
+  <a:themeElements>
+    <a:clrScheme name="Office">
+      <a:dk1>
+        <a:sysClr val="windowText" lastClr="000000"/>
+      </a:dk1>
+      <a:lt1>
+        <a:sysClr val="window" lastClr="FFFFFF"/>
+      </a:lt1>
+      <a:dk2>
+        <a:srgbClr val="44546A"/>
+      </a:dk2>
+      <a:lt2>
+        <a:srgbClr val="E7E6E6"/>
+      </a:lt2>
+      <a:accent1>
         <a:srgbClr val="5B9BD5"/>
       </a:accent1>
       <a:accent2>

--- a/slides/AAFS 2022 Presenter PP Theme 1.pptx
+++ b/slides/AAFS 2022 Presenter PP Theme 1.pptx
@@ -16,11 +16,11 @@
     <p:sldId id="269" r:id="rId4"/>
     <p:sldId id="267" r:id="rId5"/>
     <p:sldId id="260" r:id="rId6"/>
-    <p:sldId id="262" r:id="rId7"/>
-    <p:sldId id="261" r:id="rId8"/>
-    <p:sldId id="263" r:id="rId9"/>
-    <p:sldId id="264" r:id="rId10"/>
-    <p:sldId id="265" r:id="rId11"/>
+    <p:sldId id="261" r:id="rId7"/>
+    <p:sldId id="263" r:id="rId8"/>
+    <p:sldId id="264" r:id="rId9"/>
+    <p:sldId id="265" r:id="rId10"/>
+    <p:sldId id="270" r:id="rId11"/>
     <p:sldId id="268" r:id="rId12"/>
     <p:sldId id="266" r:id="rId13"/>
     <p:sldId id="259" r:id="rId14"/>
@@ -215,7 +215,7 @@
           <a:p>
             <a:fld id="{9EB7CFE3-5CE6-4A0E-A747-2A30B202E1EB}" type="datetimeFigureOut">
               <a:rPr lang="en-US" smtClean="0"/>
-              <a:t>1/3/2022</a:t>
+              <a:t>1/6/2022</a:t>
             </a:fld>
             <a:endParaRPr lang="en-US"/>
           </a:p>
@@ -380,7 +380,7 @@
           <a:p>
             <a:fld id="{E3CECB73-295A-4B89-8093-1B6A4B1DCF98}" type="datetimeFigureOut">
               <a:rPr lang="en-US" smtClean="0"/>
-              <a:t>1/4/2022</a:t>
+              <a:t>1/5/2022</a:t>
             </a:fld>
             <a:endParaRPr lang="en-US"/>
           </a:p>
@@ -3862,7 +3862,7 @@
           <p:cNvPr id="2" name="Title 1">
             <a:extLst>
               <a:ext uri="{FF2B5EF4-FFF2-40B4-BE49-F238E27FC236}">
-                <a16:creationId xmlns:a16="http://schemas.microsoft.com/office/drawing/2014/main" id="{B45019B5-1840-41B2-A58F-9404090FC860}"/>
+                <a16:creationId xmlns:a16="http://schemas.microsoft.com/office/drawing/2014/main" id="{0672ACFD-37D1-49B0-B3BF-FA1DDB9FEF7B}"/>
               </a:ext>
             </a:extLst>
           </p:cNvPr>
@@ -3880,7 +3880,7 @@
           <a:p>
             <a:r>
               <a:rPr lang="en-US" dirty="0"/>
-              <a:t>CMC Algorithm Experimentation</a:t>
+              <a:t>CMC Pipeline Experimentation</a:t>
             </a:r>
           </a:p>
         </p:txBody>
@@ -3890,7 +3890,7 @@
           <p:cNvPr id="3" name="Content Placeholder 2">
             <a:extLst>
               <a:ext uri="{FF2B5EF4-FFF2-40B4-BE49-F238E27FC236}">
-                <a16:creationId xmlns:a16="http://schemas.microsoft.com/office/drawing/2014/main" id="{C7A002A0-DF75-4320-A8CF-6E5B7159CFAA}"/>
+                <a16:creationId xmlns:a16="http://schemas.microsoft.com/office/drawing/2014/main" id="{ECD53F53-D741-41DA-961D-5A3CDFDC7625}"/>
               </a:ext>
             </a:extLst>
           </p:cNvPr>
@@ -3906,6 +3906,12 @@
           <a:bodyPr/>
           <a:lstStyle/>
           <a:p>
+            <a:r>
+              <a:rPr lang="en-US" dirty="0"/>
+              <a:t>[(Time permitting) show experimental results across many parameter changes. Demonstrate that this can be used to select the “best” settings for the algorithm]</a:t>
+            </a:r>
+          </a:p>
+          <a:p>
             <a:endParaRPr lang="en-US" dirty="0"/>
           </a:p>
         </p:txBody>
@@ -3913,7 +3919,7 @@
     </p:spTree>
     <p:extLst>
       <p:ext uri="{BB962C8B-B14F-4D97-AF65-F5344CB8AC3E}">
-        <p14:creationId xmlns:p14="http://schemas.microsoft.com/office/powerpoint/2010/main" val="1903881528"/>
+        <p14:creationId xmlns:p14="http://schemas.microsoft.com/office/powerpoint/2010/main" val="3562388999"/>
       </p:ext>
     </p:extLst>
   </p:cSld>
@@ -3995,14 +4001,28 @@
             </a:r>
             <a:r>
               <a:rPr lang="en-US" dirty="0"/>
-              <a:t> Source Code: https://github.com/CSAFE-ISU/cmcR</a:t>
-            </a:r>
+              <a:t> Source Code: </a:t>
+            </a:r>
+            <a:r>
+              <a:rPr lang="en-US" dirty="0">
+                <a:hlinkClick r:id="rId2"/>
+              </a:rPr>
+              <a:t>https://github.com/CSAFE-ISU/cmcR</a:t>
+            </a:r>
+            <a:endParaRPr lang="en-US" dirty="0"/>
           </a:p>
           <a:p>
             <a:r>
               <a:rPr lang="en-US" dirty="0"/>
-              <a:t>NIST Database: https://tsapps.nist.gov/NRBTD/Studies/Search</a:t>
-            </a:r>
+              <a:t>NIST Database: </a:t>
+            </a:r>
+            <a:r>
+              <a:rPr lang="en-US" dirty="0">
+                <a:hlinkClick r:id="rId3"/>
+              </a:rPr>
+              <a:t>https://tsapps.nist.gov/NRBTD/Studies/Search</a:t>
+            </a:r>
+            <a:endParaRPr lang="en-US" dirty="0"/>
           </a:p>
           <a:p>
             <a:r>
@@ -4414,23 +4434,37 @@
           </a:xfrm>
         </p:spPr>
         <p:txBody>
-          <a:bodyPr/>
-          <a:lstStyle/>
-          <a:p>
-            <a:r>
-              <a:rPr lang="en-US" u="sng" dirty="0"/>
+          <a:bodyPr>
+            <a:normAutofit lnSpcReduction="10000"/>
+          </a:bodyPr>
+          <a:lstStyle/>
+          <a:p>
+            <a:r>
+              <a:rPr lang="en-US" sz="2700" u="sng" dirty="0"/>
               <a:t>Algorithm:</a:t>
             </a:r>
             <a:r>
-              <a:rPr lang="en-US" i="1" dirty="0"/>
+              <a:rPr lang="en-US" sz="2700" i="1" dirty="0"/>
               <a:t> A set of instructions used to perform a computation.</a:t>
             </a:r>
           </a:p>
           <a:p>
             <a:r>
-              <a:rPr lang="en-US" dirty="0"/>
-              <a:t>Can be used to measure the similarity between evidence.</a:t>
-            </a:r>
+              <a:rPr lang="en-US" sz="2700" dirty="0"/>
+              <a:t>Each instruction can be thought of as a step in an overall pipeline</a:t>
+            </a:r>
+          </a:p>
+          <a:p>
+            <a:endParaRPr lang="en-US" sz="2700" dirty="0"/>
+          </a:p>
+          <a:p>
+            <a:r>
+              <a:rPr lang="en-US" sz="2700" dirty="0"/>
+              <a:t>Can be used to compute the similarity between pieces of evidence</a:t>
+            </a:r>
+          </a:p>
+          <a:p>
+            <a:endParaRPr lang="en-US" sz="2700" dirty="0"/>
           </a:p>
         </p:txBody>
       </p:sp>
@@ -4462,7 +4496,7 @@
         </p:blipFill>
         <p:spPr>
           <a:xfrm>
-            <a:off x="439643" y="4146101"/>
+            <a:off x="439643" y="4502748"/>
             <a:ext cx="2673984" cy="1388653"/>
           </a:xfrm>
           <a:prstGeom prst="rect">
@@ -4484,7 +4518,7 @@
         </p:nvSpPr>
         <p:spPr>
           <a:xfrm>
-            <a:off x="1095148" y="3804976"/>
+            <a:off x="1095148" y="4170120"/>
             <a:ext cx="1362974" cy="369332"/>
           </a:xfrm>
           <a:prstGeom prst="rect">
@@ -4519,7 +4553,7 @@
         </p:nvSpPr>
         <p:spPr>
           <a:xfrm>
-            <a:off x="3855458" y="3807332"/>
+            <a:off x="3855458" y="4170120"/>
             <a:ext cx="1733953" cy="369332"/>
           </a:xfrm>
           <a:prstGeom prst="rect">
@@ -4567,7 +4601,7 @@
         </p:blipFill>
         <p:spPr>
           <a:xfrm>
-            <a:off x="3348871" y="4133825"/>
+            <a:off x="3348870" y="4502130"/>
             <a:ext cx="2747128" cy="1389888"/>
           </a:xfrm>
           <a:prstGeom prst="rect">
@@ -4603,7 +4637,7 @@
         </p:blipFill>
         <p:spPr>
           <a:xfrm>
-            <a:off x="6331242" y="4117526"/>
+            <a:off x="6331241" y="4502130"/>
             <a:ext cx="2842444" cy="1389888"/>
           </a:xfrm>
           <a:prstGeom prst="rect">
@@ -4638,7 +4672,7 @@
         </p:blipFill>
         <p:spPr>
           <a:xfrm>
-            <a:off x="9408929" y="4117526"/>
+            <a:off x="9408929" y="4502130"/>
             <a:ext cx="2561889" cy="1389888"/>
           </a:xfrm>
           <a:prstGeom prst="rect">
@@ -4660,7 +4694,7 @@
         </p:nvSpPr>
         <p:spPr>
           <a:xfrm>
-            <a:off x="7028756" y="3777890"/>
+            <a:off x="7028756" y="4170120"/>
             <a:ext cx="1447415" cy="369332"/>
           </a:xfrm>
           <a:prstGeom prst="rect">
@@ -4696,7 +4730,7 @@
         </p:nvSpPr>
         <p:spPr>
           <a:xfrm>
-            <a:off x="9934752" y="3773788"/>
+            <a:off x="9934752" y="4170120"/>
             <a:ext cx="1510241" cy="369332"/>
           </a:xfrm>
           <a:prstGeom prst="rect">
@@ -4718,6 +4752,132 @@
           </a:p>
         </p:txBody>
       </p:sp>
+      <p:cxnSp>
+        <p:nvCxnSpPr>
+          <p:cNvPr id="7" name="Straight Arrow Connector 6">
+            <a:extLst>
+              <a:ext uri="{FF2B5EF4-FFF2-40B4-BE49-F238E27FC236}">
+                <a16:creationId xmlns:a16="http://schemas.microsoft.com/office/drawing/2014/main" id="{1D6B7000-A8EF-4559-B775-99C51A02C091}"/>
+              </a:ext>
+            </a:extLst>
+          </p:cNvPr>
+          <p:cNvCxnSpPr>
+            <a:cxnSpLocks/>
+          </p:cNvCxnSpPr>
+          <p:nvPr/>
+        </p:nvCxnSpPr>
+        <p:spPr>
+          <a:xfrm flipV="1">
+            <a:off x="3113627" y="5191245"/>
+            <a:ext cx="235244" cy="1"/>
+          </a:xfrm>
+          <a:prstGeom prst="straightConnector1">
+            <a:avLst/>
+          </a:prstGeom>
+          <a:ln>
+            <a:tailEnd type="triangle"/>
+          </a:ln>
+        </p:spPr>
+        <p:style>
+          <a:lnRef idx="3">
+            <a:schemeClr val="dk1"/>
+          </a:lnRef>
+          <a:fillRef idx="0">
+            <a:schemeClr val="dk1"/>
+          </a:fillRef>
+          <a:effectRef idx="2">
+            <a:schemeClr val="dk1"/>
+          </a:effectRef>
+          <a:fontRef idx="minor">
+            <a:schemeClr val="tx1"/>
+          </a:fontRef>
+        </p:style>
+      </p:cxnSp>
+      <p:cxnSp>
+        <p:nvCxnSpPr>
+          <p:cNvPr id="10" name="Straight Arrow Connector 9">
+            <a:extLst>
+              <a:ext uri="{FF2B5EF4-FFF2-40B4-BE49-F238E27FC236}">
+                <a16:creationId xmlns:a16="http://schemas.microsoft.com/office/drawing/2014/main" id="{5B30CE7C-9C5F-4784-B69E-5D8E28B8015C}"/>
+              </a:ext>
+            </a:extLst>
+          </p:cNvPr>
+          <p:cNvCxnSpPr>
+            <a:stCxn id="11" idx="3"/>
+            <a:endCxn id="13" idx="1"/>
+          </p:cNvCxnSpPr>
+          <p:nvPr/>
+        </p:nvCxnSpPr>
+        <p:spPr>
+          <a:xfrm>
+            <a:off x="6095998" y="5197074"/>
+            <a:ext cx="235243" cy="0"/>
+          </a:xfrm>
+          <a:prstGeom prst="straightConnector1">
+            <a:avLst/>
+          </a:prstGeom>
+          <a:ln>
+            <a:tailEnd type="triangle"/>
+          </a:ln>
+        </p:spPr>
+        <p:style>
+          <a:lnRef idx="3">
+            <a:schemeClr val="dk1"/>
+          </a:lnRef>
+          <a:fillRef idx="0">
+            <a:schemeClr val="dk1"/>
+          </a:fillRef>
+          <a:effectRef idx="2">
+            <a:schemeClr val="dk1"/>
+          </a:effectRef>
+          <a:fontRef idx="minor">
+            <a:schemeClr val="tx1"/>
+          </a:fontRef>
+        </p:style>
+      </p:cxnSp>
+      <p:cxnSp>
+        <p:nvCxnSpPr>
+          <p:cNvPr id="18" name="Straight Arrow Connector 17">
+            <a:extLst>
+              <a:ext uri="{FF2B5EF4-FFF2-40B4-BE49-F238E27FC236}">
+                <a16:creationId xmlns:a16="http://schemas.microsoft.com/office/drawing/2014/main" id="{B2A107EB-1AD8-457E-8469-26DF2E383F9B}"/>
+              </a:ext>
+            </a:extLst>
+          </p:cNvPr>
+          <p:cNvCxnSpPr>
+            <a:cxnSpLocks/>
+            <a:stCxn id="13" idx="3"/>
+            <a:endCxn id="15" idx="1"/>
+          </p:cNvCxnSpPr>
+          <p:nvPr/>
+        </p:nvCxnSpPr>
+        <p:spPr>
+          <a:xfrm>
+            <a:off x="9173685" y="5197074"/>
+            <a:ext cx="235244" cy="0"/>
+          </a:xfrm>
+          <a:prstGeom prst="straightConnector1">
+            <a:avLst/>
+          </a:prstGeom>
+          <a:ln>
+            <a:tailEnd type="triangle"/>
+          </a:ln>
+        </p:spPr>
+        <p:style>
+          <a:lnRef idx="3">
+            <a:schemeClr val="dk1"/>
+          </a:lnRef>
+          <a:fillRef idx="0">
+            <a:schemeClr val="dk1"/>
+          </a:fillRef>
+          <a:effectRef idx="2">
+            <a:schemeClr val="dk1"/>
+          </a:effectRef>
+          <a:fontRef idx="minor">
+            <a:schemeClr val="tx1"/>
+          </a:fontRef>
+        </p:style>
+      </p:cxnSp>
     </p:spTree>
     <p:extLst>
       <p:ext uri="{BB962C8B-B14F-4D97-AF65-F5344CB8AC3E}">
@@ -4802,12 +4962,51 @@
         </p:nvSpPr>
         <p:spPr/>
         <p:txBody>
-          <a:bodyPr/>
+          <a:bodyPr>
+            <a:normAutofit lnSpcReduction="10000"/>
+          </a:bodyPr>
           <a:lstStyle/>
           <a:p>
             <a:r>
               <a:rPr lang="en-US" dirty="0"/>
               <a:t>Code is freely available for investigation and experimentation</a:t>
+            </a:r>
+          </a:p>
+          <a:p>
+            <a:endParaRPr lang="en-US" dirty="0"/>
+          </a:p>
+          <a:p>
+            <a:r>
+              <a:rPr lang="en-US" dirty="0"/>
+              <a:t>Open-source algorithms encourage reproducibility of results</a:t>
+            </a:r>
+          </a:p>
+          <a:p>
+            <a:endParaRPr lang="en-US" dirty="0"/>
+          </a:p>
+          <a:p>
+            <a:r>
+              <a:rPr lang="en-US" i="1" dirty="0"/>
+              <a:t>Reproducibility</a:t>
+            </a:r>
+            <a:endParaRPr lang="en-US" dirty="0"/>
+          </a:p>
+          <a:p>
+            <a:pPr lvl="1"/>
+            <a:r>
+              <a:rPr lang="en-US" dirty="0"/>
+              <a:t>“Obtaining consistent computational results using the same input data, computational steps, methods, code, and conditions of analysis.” (NASEM, 2019)</a:t>
+            </a:r>
+            <a:endParaRPr lang="en-US" i="1" dirty="0"/>
+          </a:p>
+          <a:p>
+            <a:pPr lvl="1"/>
+            <a:endParaRPr lang="en-US" i="1" dirty="0"/>
+          </a:p>
+          <a:p>
+            <a:r>
+              <a:rPr lang="en-US" dirty="0"/>
+              <a:t>Reproduction of results is required to establish error rates, etc.</a:t>
             </a:r>
           </a:p>
         </p:txBody>
@@ -4847,147 +5046,6 @@
           <p:cNvPr id="2" name="Title 1">
             <a:extLst>
               <a:ext uri="{FF2B5EF4-FFF2-40B4-BE49-F238E27FC236}">
-                <a16:creationId xmlns:a16="http://schemas.microsoft.com/office/drawing/2014/main" id="{53E401B2-9D3D-4C5C-B278-630A4F3E8B0F}"/>
-              </a:ext>
-            </a:extLst>
-          </p:cNvPr>
-          <p:cNvSpPr>
-            <a:spLocks noGrp="1"/>
-          </p:cNvSpPr>
-          <p:nvPr>
-            <p:ph type="title"/>
-          </p:nvPr>
-        </p:nvSpPr>
-        <p:spPr/>
-        <p:txBody>
-          <a:bodyPr/>
-          <a:lstStyle/>
-          <a:p>
-            <a:r>
-              <a:rPr lang="en-US" dirty="0"/>
-              <a:t>Open-Source and Reproducibility</a:t>
-            </a:r>
-          </a:p>
-        </p:txBody>
-      </p:sp>
-      <p:sp>
-        <p:nvSpPr>
-          <p:cNvPr id="3" name="Content Placeholder 2">
-            <a:extLst>
-              <a:ext uri="{FF2B5EF4-FFF2-40B4-BE49-F238E27FC236}">
-                <a16:creationId xmlns:a16="http://schemas.microsoft.com/office/drawing/2014/main" id="{B3FBB8D3-BA77-416B-BAC0-69C2BA017BE9}"/>
-              </a:ext>
-            </a:extLst>
-          </p:cNvPr>
-          <p:cNvSpPr>
-            <a:spLocks noGrp="1"/>
-          </p:cNvSpPr>
-          <p:nvPr>
-            <p:ph idx="1"/>
-          </p:nvPr>
-        </p:nvSpPr>
-        <p:spPr/>
-        <p:txBody>
-          <a:bodyPr>
-            <a:normAutofit lnSpcReduction="10000"/>
-          </a:bodyPr>
-          <a:lstStyle/>
-          <a:p>
-            <a:r>
-              <a:rPr lang="en-US" i="1" dirty="0"/>
-              <a:t>Reproducibility</a:t>
-            </a:r>
-            <a:endParaRPr lang="en-US" dirty="0"/>
-          </a:p>
-          <a:p>
-            <a:pPr lvl="1"/>
-            <a:r>
-              <a:rPr lang="en-US" dirty="0"/>
-              <a:t>“Obtaining consistent computational results using the same input data, computational steps, methods, code, and conditions of analysis.” (NASEM, 2019)</a:t>
-            </a:r>
-            <a:endParaRPr lang="en-US" i="1" dirty="0"/>
-          </a:p>
-          <a:p>
-            <a:endParaRPr lang="en-US" dirty="0"/>
-          </a:p>
-          <a:p>
-            <a:r>
-              <a:rPr lang="en-US" dirty="0"/>
-              <a:t>Hierarchy of Reproducibility</a:t>
-            </a:r>
-          </a:p>
-          <a:p>
-            <a:pPr lvl="1"/>
-            <a:r>
-              <a:rPr lang="en-US" dirty="0"/>
-              <a:t>Conceptual description</a:t>
-            </a:r>
-          </a:p>
-          <a:p>
-            <a:pPr lvl="1"/>
-            <a:r>
-              <a:rPr lang="en-US" dirty="0"/>
-              <a:t>Pseudocode</a:t>
-            </a:r>
-          </a:p>
-          <a:p>
-            <a:pPr lvl="1"/>
-            <a:r>
-              <a:rPr lang="en-US" dirty="0"/>
-              <a:t>Reproducible data</a:t>
-            </a:r>
-          </a:p>
-          <a:p>
-            <a:pPr lvl="1"/>
-            <a:r>
-              <a:rPr lang="en-US" dirty="0"/>
-              <a:t>Comparable results</a:t>
-            </a:r>
-          </a:p>
-          <a:p>
-            <a:pPr lvl="1"/>
-            <a:r>
-              <a:rPr lang="en-US" dirty="0"/>
-              <a:t>Full reproducibility</a:t>
-            </a:r>
-          </a:p>
-        </p:txBody>
-      </p:sp>
-    </p:spTree>
-    <p:extLst>
-      <p:ext uri="{BB962C8B-B14F-4D97-AF65-F5344CB8AC3E}">
-        <p14:creationId xmlns:p14="http://schemas.microsoft.com/office/powerpoint/2010/main" val="1751873307"/>
-      </p:ext>
-    </p:extLst>
-  </p:cSld>
-  <p:clrMapOvr>
-    <a:masterClrMapping/>
-  </p:clrMapOvr>
-</p:sld>
-</file>
-
-<file path=ppt/slides/slide7.xml><?xml version="1.0" encoding="utf-8"?>
-<p:sld xmlns:a="http://schemas.openxmlformats.org/drawingml/2006/main" xmlns:r="http://schemas.openxmlformats.org/officeDocument/2006/relationships" xmlns:p="http://schemas.openxmlformats.org/presentationml/2006/main">
-  <p:cSld>
-    <p:spTree>
-      <p:nvGrpSpPr>
-        <p:cNvPr id="1" name=""/>
-        <p:cNvGrpSpPr/>
-        <p:nvPr/>
-      </p:nvGrpSpPr>
-      <p:grpSpPr>
-        <a:xfrm>
-          <a:off x="0" y="0"/>
-          <a:ext cx="0" cy="0"/>
-          <a:chOff x="0" y="0"/>
-          <a:chExt cx="0" cy="0"/>
-        </a:xfrm>
-      </p:grpSpPr>
-      <p:sp>
-        <p:nvSpPr>
-          <p:cNvPr id="2" name="Title 1">
-            <a:extLst>
-              <a:ext uri="{FF2B5EF4-FFF2-40B4-BE49-F238E27FC236}">
                 <a16:creationId xmlns:a16="http://schemas.microsoft.com/office/drawing/2014/main" id="{F9605F1D-DB7A-47F4-ACAD-089021C79F9E}"/>
               </a:ext>
             </a:extLst>
@@ -5006,7 +5064,7 @@
           <a:p>
             <a:r>
               <a:rPr lang="en-US" dirty="0"/>
-              <a:t>The CMC Pipeline</a:t>
+              <a:t>The Congruent Matching Cells Algorithms</a:t>
             </a:r>
           </a:p>
         </p:txBody>
@@ -5027,20 +5085,64 @@
             <p:ph idx="1"/>
           </p:nvPr>
         </p:nvSpPr>
-        <p:spPr/>
-        <p:txBody>
-          <a:bodyPr/>
-          <a:lstStyle/>
-          <a:p>
-            <a:r>
-              <a:rPr lang="en-US" dirty="0"/>
-              <a:t>Developed at NIST in 2013</a:t>
-            </a:r>
-          </a:p>
-          <a:p>
-            <a:r>
-              <a:rPr lang="en-US" dirty="0"/>
-              <a:t>Measure similarity between cartridge cases</a:t>
+        <p:spPr>
+          <a:xfrm>
+            <a:off x="838200" y="1604513"/>
+            <a:ext cx="10515600" cy="4613090"/>
+          </a:xfrm>
+        </p:spPr>
+        <p:txBody>
+          <a:bodyPr>
+            <a:normAutofit/>
+          </a:bodyPr>
+          <a:lstStyle/>
+          <a:p>
+            <a:r>
+              <a:rPr lang="en-US" sz="2200" dirty="0"/>
+              <a:t>Developed at NIST in 2013 with additional changes/improvements since</a:t>
+            </a:r>
+          </a:p>
+          <a:p>
+            <a:endParaRPr lang="en-US" sz="2200" dirty="0"/>
+          </a:p>
+          <a:p>
+            <a:pPr marL="514350" indent="-514350">
+              <a:buFont typeface="+mj-lt"/>
+              <a:buAutoNum type="arabicPeriod"/>
+            </a:pPr>
+            <a:r>
+              <a:rPr lang="en-US" sz="2200" dirty="0"/>
+              <a:t>Divide one scan into a grid of “cells”</a:t>
+            </a:r>
+          </a:p>
+          <a:p>
+            <a:pPr marL="514350" indent="-514350">
+              <a:buFont typeface="+mj-lt"/>
+              <a:buAutoNum type="arabicPeriod"/>
+            </a:pPr>
+            <a:r>
+              <a:rPr lang="en-US" sz="2200" dirty="0"/>
+              <a:t>Compare each cell to another cartridge case</a:t>
+            </a:r>
+          </a:p>
+          <a:p>
+            <a:pPr marL="514350" indent="-514350">
+              <a:buFont typeface="+mj-lt"/>
+              <a:buAutoNum type="arabicPeriod"/>
+            </a:pPr>
+            <a:r>
+              <a:rPr lang="en-US" sz="2200" dirty="0"/>
+              <a:t>Classify cells as “congruent matching” if they match the other scan</a:t>
+            </a:r>
+          </a:p>
+          <a:p>
+            <a:pPr marL="514350" indent="-514350">
+              <a:buFont typeface="+mj-lt"/>
+              <a:buAutoNum type="arabicPeriod"/>
+            </a:pPr>
+            <a:r>
+              <a:rPr lang="en-US" sz="2200" dirty="0"/>
+              <a:t>Measure similarity as the total number of “Congruent Matching Cells” (CMCs)</a:t>
             </a:r>
           </a:p>
         </p:txBody>
@@ -5073,18 +5175,224 @@
         </p:blipFill>
         <p:spPr>
           <a:xfrm>
-            <a:off x="3247974" y="3429000"/>
-            <a:ext cx="4837532" cy="2365439"/>
+            <a:off x="2125506" y="4636652"/>
+            <a:ext cx="3129261" cy="1530135"/>
           </a:xfrm>
           <a:prstGeom prst="rect">
             <a:avLst/>
           </a:prstGeom>
         </p:spPr>
       </p:pic>
+      <p:pic>
+        <p:nvPicPr>
+          <p:cNvPr id="6" name="Picture 5" descr="Shape&#10;&#10;Description automatically generated">
+            <a:extLst>
+              <a:ext uri="{FF2B5EF4-FFF2-40B4-BE49-F238E27FC236}">
+                <a16:creationId xmlns:a16="http://schemas.microsoft.com/office/drawing/2014/main" id="{10AC89BB-7124-4E08-8ECE-1B9456362363}"/>
+              </a:ext>
+            </a:extLst>
+          </p:cNvPr>
+          <p:cNvPicPr>
+            <a:picLocks noChangeAspect="1"/>
+          </p:cNvPicPr>
+          <p:nvPr/>
+        </p:nvPicPr>
+        <p:blipFill rotWithShape="1">
+          <a:blip r:embed="rId3">
+            <a:extLst>
+              <a:ext uri="{28A0092B-C50C-407E-A947-70E740481C1C}">
+                <a14:useLocalDpi xmlns:a14="http://schemas.microsoft.com/office/drawing/2010/main" val="0"/>
+              </a:ext>
+            </a:extLst>
+          </a:blip>
+          <a:srcRect l="9524" t="1886" r="9127" b="74798"/>
+          <a:stretch/>
+        </p:blipFill>
+        <p:spPr>
+          <a:xfrm>
+            <a:off x="6711710" y="4513405"/>
+            <a:ext cx="2873518" cy="1882475"/>
+          </a:xfrm>
+          <a:prstGeom prst="rect">
+            <a:avLst/>
+          </a:prstGeom>
+        </p:spPr>
+      </p:pic>
+      <p:cxnSp>
+        <p:nvCxnSpPr>
+          <p:cNvPr id="7" name="Straight Arrow Connector 6">
+            <a:extLst>
+              <a:ext uri="{FF2B5EF4-FFF2-40B4-BE49-F238E27FC236}">
+                <a16:creationId xmlns:a16="http://schemas.microsoft.com/office/drawing/2014/main" id="{323355EC-12D6-4857-9360-34A2A0FD00EA}"/>
+              </a:ext>
+            </a:extLst>
+          </p:cNvPr>
+          <p:cNvCxnSpPr/>
+          <p:nvPr/>
+        </p:nvCxnSpPr>
+        <p:spPr>
+          <a:xfrm>
+            <a:off x="5374259" y="5401719"/>
+            <a:ext cx="1173193" cy="0"/>
+          </a:xfrm>
+          <a:prstGeom prst="straightConnector1">
+            <a:avLst/>
+          </a:prstGeom>
+          <a:ln>
+            <a:tailEnd type="triangle"/>
+          </a:ln>
+        </p:spPr>
+        <p:style>
+          <a:lnRef idx="2">
+            <a:schemeClr val="dk1"/>
+          </a:lnRef>
+          <a:fillRef idx="0">
+            <a:schemeClr val="dk1"/>
+          </a:fillRef>
+          <a:effectRef idx="1">
+            <a:schemeClr val="dk1"/>
+          </a:effectRef>
+          <a:fontRef idx="minor">
+            <a:schemeClr val="tx1"/>
+          </a:fontRef>
+        </p:style>
+      </p:cxnSp>
     </p:spTree>
     <p:extLst>
       <p:ext uri="{BB962C8B-B14F-4D97-AF65-F5344CB8AC3E}">
         <p14:creationId xmlns:p14="http://schemas.microsoft.com/office/powerpoint/2010/main" val="2539665484"/>
+      </p:ext>
+    </p:extLst>
+  </p:cSld>
+  <p:clrMapOvr>
+    <a:masterClrMapping/>
+  </p:clrMapOvr>
+</p:sld>
+</file>
+
+<file path=ppt/slides/slide7.xml><?xml version="1.0" encoding="utf-8"?>
+<p:sld xmlns:a="http://schemas.openxmlformats.org/drawingml/2006/main" xmlns:r="http://schemas.openxmlformats.org/officeDocument/2006/relationships" xmlns:p="http://schemas.openxmlformats.org/presentationml/2006/main">
+  <p:cSld>
+    <p:spTree>
+      <p:nvGrpSpPr>
+        <p:cNvPr id="1" name=""/>
+        <p:cNvGrpSpPr/>
+        <p:nvPr/>
+      </p:nvGrpSpPr>
+      <p:grpSpPr>
+        <a:xfrm>
+          <a:off x="0" y="0"/>
+          <a:ext cx="0" cy="0"/>
+          <a:chOff x="0" y="0"/>
+          <a:chExt cx="0" cy="0"/>
+        </a:xfrm>
+      </p:grpSpPr>
+      <p:sp>
+        <p:nvSpPr>
+          <p:cNvPr id="2" name="Title 1">
+            <a:extLst>
+              <a:ext uri="{FF2B5EF4-FFF2-40B4-BE49-F238E27FC236}">
+                <a16:creationId xmlns:a16="http://schemas.microsoft.com/office/drawing/2014/main" id="{B7750B44-90E6-41D6-A515-00E9B87BF44D}"/>
+              </a:ext>
+            </a:extLst>
+          </p:cNvPr>
+          <p:cNvSpPr>
+            <a:spLocks noGrp="1"/>
+          </p:cNvSpPr>
+          <p:nvPr>
+            <p:ph type="title"/>
+          </p:nvPr>
+        </p:nvSpPr>
+        <p:spPr/>
+        <p:txBody>
+          <a:bodyPr/>
+          <a:lstStyle/>
+          <a:p>
+            <a:r>
+              <a:rPr lang="en-US" dirty="0"/>
+              <a:t>The </a:t>
+            </a:r>
+            <a:r>
+              <a:rPr lang="en-US" dirty="0" err="1"/>
+              <a:t>cmcR</a:t>
+            </a:r>
+            <a:r>
+              <a:rPr lang="en-US" dirty="0"/>
+              <a:t> package</a:t>
+            </a:r>
+          </a:p>
+        </p:txBody>
+      </p:sp>
+      <p:sp>
+        <p:nvSpPr>
+          <p:cNvPr id="3" name="Content Placeholder 2">
+            <a:extLst>
+              <a:ext uri="{FF2B5EF4-FFF2-40B4-BE49-F238E27FC236}">
+                <a16:creationId xmlns:a16="http://schemas.microsoft.com/office/drawing/2014/main" id="{D9922E3A-A3AC-4A25-8563-E92630F456D2}"/>
+              </a:ext>
+            </a:extLst>
+          </p:cNvPr>
+          <p:cNvSpPr>
+            <a:spLocks noGrp="1"/>
+          </p:cNvSpPr>
+          <p:nvPr>
+            <p:ph idx="1"/>
+          </p:nvPr>
+        </p:nvSpPr>
+        <p:spPr/>
+        <p:txBody>
+          <a:bodyPr/>
+          <a:lstStyle/>
+          <a:p>
+            <a:r>
+              <a:rPr lang="en-US" dirty="0"/>
+              <a:t>Modularizes the CMC method into an explicit pipeline:</a:t>
+            </a:r>
+          </a:p>
+          <a:p>
+            <a:endParaRPr lang="en-US" dirty="0"/>
+          </a:p>
+          <a:p>
+            <a:pPr marL="0" indent="0">
+              <a:buNone/>
+            </a:pPr>
+            <a:r>
+              <a:rPr lang="en-US" dirty="0"/>
+              <a:t>Initial Data %&gt;% First Function %&gt;% Second Function %&gt;% ...</a:t>
+            </a:r>
+          </a:p>
+          <a:p>
+            <a:pPr marL="0" indent="0">
+              <a:buNone/>
+            </a:pPr>
+            <a:endParaRPr lang="en-US" dirty="0"/>
+          </a:p>
+          <a:p>
+            <a:r>
+              <a:rPr lang="en-US" dirty="0"/>
+              <a:t>Created using the R statistical programming language</a:t>
+            </a:r>
+          </a:p>
+          <a:p>
+            <a:r>
+              <a:rPr lang="en-US" dirty="0"/>
+              <a:t>Available </a:t>
+            </a:r>
+            <a:r>
+              <a:rPr lang="en-US" u="sng" dirty="0"/>
+              <a:t>for free</a:t>
+            </a:r>
+            <a:r>
+              <a:rPr lang="en-US" dirty="0"/>
+              <a:t> on the Comprehensive R Archive Network</a:t>
+            </a:r>
+          </a:p>
+        </p:txBody>
+      </p:sp>
+    </p:spTree>
+    <p:extLst>
+      <p:ext uri="{BB962C8B-B14F-4D97-AF65-F5344CB8AC3E}">
+        <p14:creationId xmlns:p14="http://schemas.microsoft.com/office/powerpoint/2010/main" val="3767905461"/>
       </p:ext>
     </p:extLst>
   </p:cSld>
@@ -5116,7 +5424,7 @@
           <p:cNvPr id="2" name="Title 1">
             <a:extLst>
               <a:ext uri="{FF2B5EF4-FFF2-40B4-BE49-F238E27FC236}">
-                <a16:creationId xmlns:a16="http://schemas.microsoft.com/office/drawing/2014/main" id="{B7750B44-90E6-41D6-A515-00E9B87BF44D}"/>
+                <a16:creationId xmlns:a16="http://schemas.microsoft.com/office/drawing/2014/main" id="{3016D6D0-7D49-4B2E-BC44-9F7FAA66A52E}"/>
               </a:ext>
             </a:extLst>
           </p:cNvPr>
@@ -5133,58 +5441,849 @@
           <a:lstStyle/>
           <a:p>
             <a:r>
-              <a:rPr lang="en-US" dirty="0"/>
-              <a:t>The </a:t>
-            </a:r>
-            <a:r>
               <a:rPr lang="en-US" dirty="0" err="1"/>
               <a:t>cmcR</a:t>
             </a:r>
             <a:r>
               <a:rPr lang="en-US" dirty="0"/>
-              <a:t> package</a:t>
-            </a:r>
-          </a:p>
-        </p:txBody>
-      </p:sp>
-      <p:sp>
-        <p:nvSpPr>
-          <p:cNvPr id="3" name="Content Placeholder 2">
+              <a:t> *Pipe*line</a:t>
+            </a:r>
+          </a:p>
+        </p:txBody>
+      </p:sp>
+      <p:grpSp>
+        <p:nvGrpSpPr>
+          <p:cNvPr id="43" name="Group 42">
             <a:extLst>
               <a:ext uri="{FF2B5EF4-FFF2-40B4-BE49-F238E27FC236}">
-                <a16:creationId xmlns:a16="http://schemas.microsoft.com/office/drawing/2014/main" id="{D9922E3A-A3AC-4A25-8563-E92630F456D2}"/>
+                <a16:creationId xmlns:a16="http://schemas.microsoft.com/office/drawing/2014/main" id="{DDC25D5E-1748-4393-93BD-5041DC0CB028}"/>
               </a:ext>
             </a:extLst>
           </p:cNvPr>
-          <p:cNvSpPr>
-            <a:spLocks noGrp="1"/>
-          </p:cNvSpPr>
-          <p:nvPr>
-            <p:ph idx="1"/>
-          </p:nvPr>
-        </p:nvSpPr>
-        <p:spPr/>
-        <p:txBody>
-          <a:bodyPr/>
-          <a:lstStyle/>
-          <a:p>
-            <a:r>
-              <a:rPr lang="en-US" dirty="0"/>
-              <a:t>Created using the R statistical programming language</a:t>
-            </a:r>
-          </a:p>
-          <a:p>
-            <a:r>
-              <a:rPr lang="en-US" dirty="0"/>
-              <a:t>Available for free on the Comprehensive R Archive Network</a:t>
-            </a:r>
-          </a:p>
-        </p:txBody>
-      </p:sp>
+          <p:cNvGrpSpPr/>
+          <p:nvPr/>
+        </p:nvGrpSpPr>
+        <p:grpSpPr>
+          <a:xfrm>
+            <a:off x="604036" y="1707343"/>
+            <a:ext cx="1887748" cy="4097781"/>
+            <a:chOff x="604036" y="1707343"/>
+            <a:chExt cx="1887748" cy="4097781"/>
+          </a:xfrm>
+        </p:grpSpPr>
+        <p:sp>
+          <p:nvSpPr>
+            <p:cNvPr id="5" name="TextBox 4">
+              <a:extLst>
+                <a:ext uri="{FF2B5EF4-FFF2-40B4-BE49-F238E27FC236}">
+                  <a16:creationId xmlns:a16="http://schemas.microsoft.com/office/drawing/2014/main" id="{FCBCFA84-FFDE-4BAA-85CE-0C759C776FA5}"/>
+                </a:ext>
+              </a:extLst>
+            </p:cNvPr>
+            <p:cNvSpPr txBox="1"/>
+            <p:nvPr/>
+          </p:nvSpPr>
+          <p:spPr>
+            <a:xfrm>
+              <a:off x="604037" y="1707343"/>
+              <a:ext cx="1887747" cy="369332"/>
+            </a:xfrm>
+            <a:prstGeom prst="rect">
+              <a:avLst/>
+            </a:prstGeom>
+            <a:solidFill>
+              <a:schemeClr val="bg1">
+                <a:lumMod val="90000"/>
+              </a:schemeClr>
+            </a:solidFill>
+          </p:spPr>
+          <p:style>
+            <a:lnRef idx="2">
+              <a:schemeClr val="dk1"/>
+            </a:lnRef>
+            <a:fillRef idx="1">
+              <a:schemeClr val="lt1"/>
+            </a:fillRef>
+            <a:effectRef idx="0">
+              <a:schemeClr val="dk1"/>
+            </a:effectRef>
+            <a:fontRef idx="minor">
+              <a:schemeClr val="dk1"/>
+            </a:fontRef>
+          </p:style>
+          <p:txBody>
+            <a:bodyPr wrap="square">
+              <a:spAutoFit/>
+            </a:bodyPr>
+            <a:lstStyle/>
+            <a:p>
+              <a:pPr marL="0" indent="0" algn="ctr">
+                <a:buNone/>
+              </a:pPr>
+              <a:r>
+                <a:rPr lang="en-US" dirty="0"/>
+                <a:t>Initial Data %&gt;%</a:t>
+              </a:r>
+            </a:p>
+          </p:txBody>
+        </p:sp>
+        <p:sp>
+          <p:nvSpPr>
+            <p:cNvPr id="6" name="TextBox 5">
+              <a:extLst>
+                <a:ext uri="{FF2B5EF4-FFF2-40B4-BE49-F238E27FC236}">
+                  <a16:creationId xmlns:a16="http://schemas.microsoft.com/office/drawing/2014/main" id="{C62D756B-6BBA-496E-8164-17A2F8E5AE62}"/>
+                </a:ext>
+              </a:extLst>
+            </p:cNvPr>
+            <p:cNvSpPr txBox="1"/>
+            <p:nvPr/>
+          </p:nvSpPr>
+          <p:spPr>
+            <a:xfrm>
+              <a:off x="604036" y="3334124"/>
+              <a:ext cx="1887748" cy="307777"/>
+            </a:xfrm>
+            <a:prstGeom prst="rect">
+              <a:avLst/>
+            </a:prstGeom>
+            <a:solidFill>
+              <a:schemeClr val="bg1">
+                <a:lumMod val="90000"/>
+              </a:schemeClr>
+            </a:solidFill>
+          </p:spPr>
+          <p:style>
+            <a:lnRef idx="2">
+              <a:schemeClr val="dk1"/>
+            </a:lnRef>
+            <a:fillRef idx="1">
+              <a:schemeClr val="lt1"/>
+            </a:fillRef>
+            <a:effectRef idx="0">
+              <a:schemeClr val="dk1"/>
+            </a:effectRef>
+            <a:fontRef idx="minor">
+              <a:schemeClr val="dk1"/>
+            </a:fontRef>
+          </p:style>
+          <p:txBody>
+            <a:bodyPr wrap="square" rtlCol="0">
+              <a:spAutoFit/>
+            </a:bodyPr>
+            <a:lstStyle/>
+            <a:p>
+              <a:pPr algn="ctr"/>
+              <a:r>
+                <a:rPr lang="en-US" sz="1400" dirty="0"/>
+                <a:t>Cartridge Cases %&gt;%</a:t>
+              </a:r>
+            </a:p>
+          </p:txBody>
+        </p:sp>
+        <p:pic>
+          <p:nvPicPr>
+            <p:cNvPr id="18" name="Picture 17" descr="A picture containing electronics&#10;&#10;Description automatically generated">
+              <a:extLst>
+                <a:ext uri="{FF2B5EF4-FFF2-40B4-BE49-F238E27FC236}">
+                  <a16:creationId xmlns:a16="http://schemas.microsoft.com/office/drawing/2014/main" id="{C096AE2F-4359-4A87-94F1-F950E90F3177}"/>
+                </a:ext>
+              </a:extLst>
+            </p:cNvPr>
+            <p:cNvPicPr>
+              <a:picLocks noChangeAspect="1"/>
+            </p:cNvPicPr>
+            <p:nvPr/>
+          </p:nvPicPr>
+          <p:blipFill>
+            <a:blip r:embed="rId2" cstate="print">
+              <a:extLst>
+                <a:ext uri="{28A0092B-C50C-407E-A947-70E740481C1C}">
+                  <a14:useLocalDpi xmlns:a14="http://schemas.microsoft.com/office/drawing/2010/main" val="0"/>
+                </a:ext>
+              </a:extLst>
+            </a:blip>
+            <a:stretch>
+              <a:fillRect/>
+            </a:stretch>
+          </p:blipFill>
+          <p:spPr>
+            <a:xfrm>
+              <a:off x="604036" y="4890724"/>
+              <a:ext cx="1760765" cy="914400"/>
+            </a:xfrm>
+            <a:prstGeom prst="rect">
+              <a:avLst/>
+            </a:prstGeom>
+            <a:ln w="57150">
+              <a:solidFill>
+                <a:schemeClr val="bg1">
+                  <a:lumMod val="75000"/>
+                </a:schemeClr>
+              </a:solidFill>
+            </a:ln>
+          </p:spPr>
+        </p:pic>
+      </p:grpSp>
+      <p:grpSp>
+        <p:nvGrpSpPr>
+          <p:cNvPr id="45" name="Group 44">
+            <a:extLst>
+              <a:ext uri="{FF2B5EF4-FFF2-40B4-BE49-F238E27FC236}">
+                <a16:creationId xmlns:a16="http://schemas.microsoft.com/office/drawing/2014/main" id="{CA1B99BA-DB55-4E00-9AA9-4E2A5CF32936}"/>
+              </a:ext>
+            </a:extLst>
+          </p:cNvPr>
+          <p:cNvGrpSpPr/>
+          <p:nvPr/>
+        </p:nvGrpSpPr>
+        <p:grpSpPr>
+          <a:xfrm>
+            <a:off x="6153242" y="1707343"/>
+            <a:ext cx="2738982" cy="4097781"/>
+            <a:chOff x="5931608" y="1707343"/>
+            <a:chExt cx="2738982" cy="4097781"/>
+          </a:xfrm>
+        </p:grpSpPr>
+        <p:sp>
+          <p:nvSpPr>
+            <p:cNvPr id="11" name="TextBox 10">
+              <a:extLst>
+                <a:ext uri="{FF2B5EF4-FFF2-40B4-BE49-F238E27FC236}">
+                  <a16:creationId xmlns:a16="http://schemas.microsoft.com/office/drawing/2014/main" id="{0FDE535B-CB4B-4519-802E-6941CFC5C2B2}"/>
+                </a:ext>
+              </a:extLst>
+            </p:cNvPr>
+            <p:cNvSpPr txBox="1"/>
+            <p:nvPr/>
+          </p:nvSpPr>
+          <p:spPr>
+            <a:xfrm>
+              <a:off x="6288214" y="1707343"/>
+              <a:ext cx="2025770" cy="369332"/>
+            </a:xfrm>
+            <a:prstGeom prst="rect">
+              <a:avLst/>
+            </a:prstGeom>
+            <a:solidFill>
+              <a:schemeClr val="accent2">
+                <a:lumMod val="40000"/>
+                <a:lumOff val="60000"/>
+              </a:schemeClr>
+            </a:solidFill>
+          </p:spPr>
+          <p:style>
+            <a:lnRef idx="2">
+              <a:schemeClr val="accent2"/>
+            </a:lnRef>
+            <a:fillRef idx="1">
+              <a:schemeClr val="lt1"/>
+            </a:fillRef>
+            <a:effectRef idx="0">
+              <a:schemeClr val="accent2"/>
+            </a:effectRef>
+            <a:fontRef idx="minor">
+              <a:schemeClr val="dk1"/>
+            </a:fontRef>
+          </p:style>
+          <p:txBody>
+            <a:bodyPr wrap="square">
+              <a:spAutoFit/>
+            </a:bodyPr>
+            <a:lstStyle/>
+            <a:p>
+              <a:pPr algn="ctr"/>
+              <a:r>
+                <a:rPr lang="en-US" dirty="0"/>
+                <a:t>Comparison %&gt;%</a:t>
+              </a:r>
+            </a:p>
+          </p:txBody>
+        </p:sp>
+        <p:sp>
+          <p:nvSpPr>
+            <p:cNvPr id="14" name="TextBox 13">
+              <a:extLst>
+                <a:ext uri="{FF2B5EF4-FFF2-40B4-BE49-F238E27FC236}">
+                  <a16:creationId xmlns:a16="http://schemas.microsoft.com/office/drawing/2014/main" id="{8EE7308E-4005-4F22-B80B-DA929CC30E1B}"/>
+                </a:ext>
+              </a:extLst>
+            </p:cNvPr>
+            <p:cNvSpPr txBox="1"/>
+            <p:nvPr/>
+          </p:nvSpPr>
+          <p:spPr>
+            <a:xfrm>
+              <a:off x="5931608" y="3334124"/>
+              <a:ext cx="2738982" cy="307777"/>
+            </a:xfrm>
+            <a:prstGeom prst="rect">
+              <a:avLst/>
+            </a:prstGeom>
+            <a:solidFill>
+              <a:schemeClr val="accent2">
+                <a:lumMod val="40000"/>
+                <a:lumOff val="60000"/>
+              </a:schemeClr>
+            </a:solidFill>
+          </p:spPr>
+          <p:style>
+            <a:lnRef idx="2">
+              <a:schemeClr val="accent2"/>
+            </a:lnRef>
+            <a:fillRef idx="1">
+              <a:schemeClr val="lt1"/>
+            </a:fillRef>
+            <a:effectRef idx="0">
+              <a:schemeClr val="accent2"/>
+            </a:effectRef>
+            <a:fontRef idx="minor">
+              <a:schemeClr val="dk1"/>
+            </a:fontRef>
+          </p:style>
+          <p:txBody>
+            <a:bodyPr wrap="square" rtlCol="0">
+              <a:spAutoFit/>
+            </a:bodyPr>
+            <a:lstStyle/>
+            <a:p>
+              <a:pPr algn="ctr"/>
+              <a:r>
+                <a:rPr lang="en-US" sz="1400" dirty="0" err="1"/>
+                <a:t>comparison_allTogether</a:t>
+              </a:r>
+              <a:r>
+                <a:rPr lang="en-US" sz="1400" dirty="0"/>
+                <a:t>() %&gt;%</a:t>
+              </a:r>
+            </a:p>
+          </p:txBody>
+        </p:sp>
+        <p:pic>
+          <p:nvPicPr>
+            <p:cNvPr id="20" name="Picture 19" descr="Diagram&#10;&#10;Description automatically generated">
+              <a:extLst>
+                <a:ext uri="{FF2B5EF4-FFF2-40B4-BE49-F238E27FC236}">
+                  <a16:creationId xmlns:a16="http://schemas.microsoft.com/office/drawing/2014/main" id="{A4F8F429-1766-4BE6-992F-80047F0A24A1}"/>
+                </a:ext>
+              </a:extLst>
+            </p:cNvPr>
+            <p:cNvPicPr>
+              <a:picLocks noChangeAspect="1"/>
+            </p:cNvPicPr>
+            <p:nvPr/>
+          </p:nvPicPr>
+          <p:blipFill>
+            <a:blip r:embed="rId3" cstate="print">
+              <a:extLst>
+                <a:ext uri="{28A0092B-C50C-407E-A947-70E740481C1C}">
+                  <a14:useLocalDpi xmlns:a14="http://schemas.microsoft.com/office/drawing/2010/main" val="0"/>
+                </a:ext>
+              </a:extLst>
+            </a:blip>
+            <a:stretch>
+              <a:fillRect/>
+            </a:stretch>
+          </p:blipFill>
+          <p:spPr>
+            <a:xfrm>
+              <a:off x="6366085" y="4890724"/>
+              <a:ext cx="1870029" cy="914400"/>
+            </a:xfrm>
+            <a:prstGeom prst="rect">
+              <a:avLst/>
+            </a:prstGeom>
+            <a:ln w="57150">
+              <a:solidFill>
+                <a:srgbClr val="B29ADC"/>
+              </a:solidFill>
+            </a:ln>
+          </p:spPr>
+        </p:pic>
+      </p:grpSp>
+      <p:grpSp>
+        <p:nvGrpSpPr>
+          <p:cNvPr id="44" name="Group 43">
+            <a:extLst>
+              <a:ext uri="{FF2B5EF4-FFF2-40B4-BE49-F238E27FC236}">
+                <a16:creationId xmlns:a16="http://schemas.microsoft.com/office/drawing/2014/main" id="{8BBE1548-875C-4906-BC8C-B2DA39A77461}"/>
+              </a:ext>
+            </a:extLst>
+          </p:cNvPr>
+          <p:cNvGrpSpPr/>
+          <p:nvPr/>
+        </p:nvGrpSpPr>
+        <p:grpSpPr>
+          <a:xfrm>
+            <a:off x="2953022" y="1707343"/>
+            <a:ext cx="2738982" cy="4097781"/>
+            <a:chOff x="2842205" y="1707343"/>
+            <a:chExt cx="2738982" cy="4097781"/>
+          </a:xfrm>
+        </p:grpSpPr>
+        <p:sp>
+          <p:nvSpPr>
+            <p:cNvPr id="9" name="TextBox 8">
+              <a:extLst>
+                <a:ext uri="{FF2B5EF4-FFF2-40B4-BE49-F238E27FC236}">
+                  <a16:creationId xmlns:a16="http://schemas.microsoft.com/office/drawing/2014/main" id="{73D563EC-C54A-4611-8661-B6D2C6787F61}"/>
+                </a:ext>
+              </a:extLst>
+            </p:cNvPr>
+            <p:cNvSpPr txBox="1"/>
+            <p:nvPr/>
+          </p:nvSpPr>
+          <p:spPr>
+            <a:xfrm>
+              <a:off x="3086668" y="1707343"/>
+              <a:ext cx="2250057" cy="369332"/>
+            </a:xfrm>
+            <a:prstGeom prst="rect">
+              <a:avLst/>
+            </a:prstGeom>
+            <a:solidFill>
+              <a:srgbClr val="FEDD5E"/>
+            </a:solidFill>
+          </p:spPr>
+          <p:style>
+            <a:lnRef idx="2">
+              <a:schemeClr val="accent5"/>
+            </a:lnRef>
+            <a:fillRef idx="1">
+              <a:schemeClr val="lt1"/>
+            </a:fillRef>
+            <a:effectRef idx="0">
+              <a:schemeClr val="accent5"/>
+            </a:effectRef>
+            <a:fontRef idx="minor">
+              <a:schemeClr val="dk1"/>
+            </a:fontRef>
+          </p:style>
+          <p:txBody>
+            <a:bodyPr wrap="square">
+              <a:spAutoFit/>
+            </a:bodyPr>
+            <a:lstStyle/>
+            <a:p>
+              <a:pPr marL="0" indent="0" algn="ctr">
+                <a:buNone/>
+              </a:pPr>
+              <a:r>
+                <a:rPr lang="en-US" dirty="0"/>
+                <a:t>Pre-processing %&gt;%</a:t>
+              </a:r>
+            </a:p>
+          </p:txBody>
+        </p:sp>
+        <p:pic>
+          <p:nvPicPr>
+            <p:cNvPr id="19" name="Picture 18" descr="Shape&#10;&#10;Description automatically generated">
+              <a:extLst>
+                <a:ext uri="{FF2B5EF4-FFF2-40B4-BE49-F238E27FC236}">
+                  <a16:creationId xmlns:a16="http://schemas.microsoft.com/office/drawing/2014/main" id="{B49AB9BE-35FA-4142-9846-ACE0014A8C24}"/>
+                </a:ext>
+              </a:extLst>
+            </p:cNvPr>
+            <p:cNvPicPr>
+              <a:picLocks noChangeAspect="1"/>
+            </p:cNvPicPr>
+            <p:nvPr/>
+          </p:nvPicPr>
+          <p:blipFill rotWithShape="1">
+            <a:blip r:embed="rId4" cstate="print">
+              <a:extLst>
+                <a:ext uri="{28A0092B-C50C-407E-A947-70E740481C1C}">
+                  <a14:useLocalDpi xmlns:a14="http://schemas.microsoft.com/office/drawing/2010/main" val="0"/>
+                </a:ext>
+              </a:extLst>
+            </a:blip>
+            <a:srcRect l="1422" t="23704" r="19209" b="20078"/>
+            <a:stretch/>
+          </p:blipFill>
+          <p:spPr>
+            <a:xfrm>
+              <a:off x="3308036" y="4890724"/>
+              <a:ext cx="1807321" cy="914400"/>
+            </a:xfrm>
+            <a:prstGeom prst="rect">
+              <a:avLst/>
+            </a:prstGeom>
+            <a:ln w="57150">
+              <a:solidFill>
+                <a:srgbClr val="FEDD5E"/>
+              </a:solidFill>
+            </a:ln>
+          </p:spPr>
+        </p:pic>
+        <p:grpSp>
+          <p:nvGrpSpPr>
+            <p:cNvPr id="32" name="Group 31">
+              <a:extLst>
+                <a:ext uri="{FF2B5EF4-FFF2-40B4-BE49-F238E27FC236}">
+                  <a16:creationId xmlns:a16="http://schemas.microsoft.com/office/drawing/2014/main" id="{A88A215E-7448-4CAD-899D-1F687AF0E980}"/>
+                </a:ext>
+              </a:extLst>
+            </p:cNvPr>
+            <p:cNvGrpSpPr/>
+            <p:nvPr/>
+          </p:nvGrpSpPr>
+          <p:grpSpPr>
+            <a:xfrm>
+              <a:off x="2842205" y="2868615"/>
+              <a:ext cx="2738982" cy="1238795"/>
+              <a:chOff x="2441656" y="2379045"/>
+              <a:chExt cx="2738982" cy="1238795"/>
+            </a:xfrm>
+          </p:grpSpPr>
+          <p:sp>
+            <p:nvSpPr>
+              <p:cNvPr id="7" name="TextBox 6">
+                <a:extLst>
+                  <a:ext uri="{FF2B5EF4-FFF2-40B4-BE49-F238E27FC236}">
+                    <a16:creationId xmlns:a16="http://schemas.microsoft.com/office/drawing/2014/main" id="{53EE9075-0BA3-4B4E-B190-3D2FD70C0F9B}"/>
+                  </a:ext>
+                </a:extLst>
+              </p:cNvPr>
+              <p:cNvSpPr txBox="1"/>
+              <p:nvPr/>
+            </p:nvSpPr>
+            <p:spPr>
+              <a:xfrm>
+                <a:off x="2778072" y="2379045"/>
+                <a:ext cx="2066150" cy="307777"/>
+              </a:xfrm>
+              <a:prstGeom prst="rect">
+                <a:avLst/>
+              </a:prstGeom>
+              <a:solidFill>
+                <a:srgbClr val="FEDD5E"/>
+              </a:solidFill>
+            </p:spPr>
+            <p:style>
+              <a:lnRef idx="2">
+                <a:schemeClr val="accent5"/>
+              </a:lnRef>
+              <a:fillRef idx="1">
+                <a:schemeClr val="lt1"/>
+              </a:fillRef>
+              <a:effectRef idx="0">
+                <a:schemeClr val="accent5"/>
+              </a:effectRef>
+              <a:fontRef idx="minor">
+                <a:schemeClr val="dk1"/>
+              </a:fontRef>
+            </p:style>
+            <p:txBody>
+              <a:bodyPr wrap="square" rtlCol="0">
+                <a:spAutoFit/>
+              </a:bodyPr>
+              <a:lstStyle/>
+              <a:p>
+                <a:pPr algn="ctr"/>
+                <a:r>
+                  <a:rPr lang="en-US" sz="1400" dirty="0" err="1"/>
+                  <a:t>preProcess_crop</a:t>
+                </a:r>
+                <a:r>
+                  <a:rPr lang="en-US" sz="1400" dirty="0"/>
+                  <a:t>() %&gt;%</a:t>
+                </a:r>
+              </a:p>
+            </p:txBody>
+          </p:sp>
+          <p:sp>
+            <p:nvSpPr>
+              <p:cNvPr id="30" name="TextBox 29">
+                <a:extLst>
+                  <a:ext uri="{FF2B5EF4-FFF2-40B4-BE49-F238E27FC236}">
+                    <a16:creationId xmlns:a16="http://schemas.microsoft.com/office/drawing/2014/main" id="{A54E1A65-38C8-4044-8776-E4D14B6A66A1}"/>
+                  </a:ext>
+                </a:extLst>
+              </p:cNvPr>
+              <p:cNvSpPr txBox="1"/>
+              <p:nvPr/>
+            </p:nvSpPr>
+            <p:spPr>
+              <a:xfrm>
+                <a:off x="2441656" y="2812856"/>
+                <a:ext cx="2738982" cy="307777"/>
+              </a:xfrm>
+              <a:prstGeom prst="rect">
+                <a:avLst/>
+              </a:prstGeom>
+              <a:solidFill>
+                <a:srgbClr val="FEDD5E"/>
+              </a:solidFill>
+            </p:spPr>
+            <p:style>
+              <a:lnRef idx="2">
+                <a:schemeClr val="accent5"/>
+              </a:lnRef>
+              <a:fillRef idx="1">
+                <a:schemeClr val="lt1"/>
+              </a:fillRef>
+              <a:effectRef idx="0">
+                <a:schemeClr val="accent5"/>
+              </a:effectRef>
+              <a:fontRef idx="minor">
+                <a:schemeClr val="dk1"/>
+              </a:fontRef>
+            </p:style>
+            <p:txBody>
+              <a:bodyPr wrap="square" rtlCol="0">
+                <a:spAutoFit/>
+              </a:bodyPr>
+              <a:lstStyle/>
+              <a:p>
+                <a:pPr algn="ctr"/>
+                <a:r>
+                  <a:rPr lang="en-US" sz="1400" dirty="0" err="1"/>
+                  <a:t>preProcess_removeTrend</a:t>
+                </a:r>
+                <a:r>
+                  <a:rPr lang="en-US" sz="1400" dirty="0"/>
+                  <a:t>() %&gt;%</a:t>
+                </a:r>
+              </a:p>
+            </p:txBody>
+          </p:sp>
+          <p:sp>
+            <p:nvSpPr>
+              <p:cNvPr id="31" name="TextBox 30">
+                <a:extLst>
+                  <a:ext uri="{FF2B5EF4-FFF2-40B4-BE49-F238E27FC236}">
+                    <a16:creationId xmlns:a16="http://schemas.microsoft.com/office/drawing/2014/main" id="{F1318FCF-BC6A-4607-AE38-464B1CF0D7F6}"/>
+                  </a:ext>
+                </a:extLst>
+              </p:cNvPr>
+              <p:cNvSpPr txBox="1"/>
+              <p:nvPr/>
+            </p:nvSpPr>
+            <p:spPr>
+              <a:xfrm>
+                <a:off x="2503246" y="3310063"/>
+                <a:ext cx="2615802" cy="307777"/>
+              </a:xfrm>
+              <a:prstGeom prst="rect">
+                <a:avLst/>
+              </a:prstGeom>
+              <a:solidFill>
+                <a:srgbClr val="FEDD5E"/>
+              </a:solidFill>
+            </p:spPr>
+            <p:style>
+              <a:lnRef idx="2">
+                <a:schemeClr val="accent5"/>
+              </a:lnRef>
+              <a:fillRef idx="1">
+                <a:schemeClr val="lt1"/>
+              </a:fillRef>
+              <a:effectRef idx="0">
+                <a:schemeClr val="accent5"/>
+              </a:effectRef>
+              <a:fontRef idx="minor">
+                <a:schemeClr val="dk1"/>
+              </a:fontRef>
+            </p:style>
+            <p:txBody>
+              <a:bodyPr wrap="square" rtlCol="0">
+                <a:spAutoFit/>
+              </a:bodyPr>
+              <a:lstStyle/>
+              <a:p>
+                <a:pPr algn="ctr"/>
+                <a:r>
+                  <a:rPr lang="en-US" sz="1400" dirty="0" err="1"/>
+                  <a:t>preProcess_gaussFilter</a:t>
+                </a:r>
+                <a:r>
+                  <a:rPr lang="en-US" sz="1400" dirty="0"/>
+                  <a:t>() %&gt;%</a:t>
+                </a:r>
+              </a:p>
+            </p:txBody>
+          </p:sp>
+        </p:grpSp>
+      </p:grpSp>
+      <p:grpSp>
+        <p:nvGrpSpPr>
+          <p:cNvPr id="46" name="Group 45">
+            <a:extLst>
+              <a:ext uri="{FF2B5EF4-FFF2-40B4-BE49-F238E27FC236}">
+                <a16:creationId xmlns:a16="http://schemas.microsoft.com/office/drawing/2014/main" id="{F2F7F96A-963C-4539-B9AA-362FDA7FE269}"/>
+              </a:ext>
+            </a:extLst>
+          </p:cNvPr>
+          <p:cNvGrpSpPr/>
+          <p:nvPr/>
+        </p:nvGrpSpPr>
+        <p:grpSpPr>
+          <a:xfrm>
+            <a:off x="9353462" y="1707343"/>
+            <a:ext cx="1857333" cy="4144406"/>
+            <a:chOff x="9353462" y="1707343"/>
+            <a:chExt cx="1857333" cy="4144406"/>
+          </a:xfrm>
+        </p:grpSpPr>
+        <p:sp>
+          <p:nvSpPr>
+            <p:cNvPr id="13" name="TextBox 12">
+              <a:extLst>
+                <a:ext uri="{FF2B5EF4-FFF2-40B4-BE49-F238E27FC236}">
+                  <a16:creationId xmlns:a16="http://schemas.microsoft.com/office/drawing/2014/main" id="{2F7E57E3-7BC3-4EF6-8D67-9DC25394FA4F}"/>
+                </a:ext>
+              </a:extLst>
+            </p:cNvPr>
+            <p:cNvSpPr txBox="1"/>
+            <p:nvPr/>
+          </p:nvSpPr>
+          <p:spPr>
+            <a:xfrm>
+              <a:off x="9524830" y="1707343"/>
+              <a:ext cx="1514597" cy="369332"/>
+            </a:xfrm>
+            <a:prstGeom prst="rect">
+              <a:avLst/>
+            </a:prstGeom>
+            <a:solidFill>
+              <a:schemeClr val="tx2">
+                <a:lumMod val="40000"/>
+                <a:lumOff val="60000"/>
+              </a:schemeClr>
+            </a:solidFill>
+          </p:spPr>
+          <p:style>
+            <a:lnRef idx="2">
+              <a:schemeClr val="accent3"/>
+            </a:lnRef>
+            <a:fillRef idx="1">
+              <a:schemeClr val="lt1"/>
+            </a:fillRef>
+            <a:effectRef idx="0">
+              <a:schemeClr val="accent3"/>
+            </a:effectRef>
+            <a:fontRef idx="minor">
+              <a:schemeClr val="dk1"/>
+            </a:fontRef>
+          </p:style>
+          <p:txBody>
+            <a:bodyPr wrap="square">
+              <a:spAutoFit/>
+            </a:bodyPr>
+            <a:lstStyle/>
+            <a:p>
+              <a:pPr algn="ctr"/>
+              <a:r>
+                <a:rPr lang="en-US" dirty="0"/>
+                <a:t>Final Results</a:t>
+              </a:r>
+            </a:p>
+          </p:txBody>
+        </p:sp>
+        <p:pic>
+          <p:nvPicPr>
+            <p:cNvPr id="21" name="Picture 20" descr="Shape&#10;&#10;Description automatically generated">
+              <a:extLst>
+                <a:ext uri="{FF2B5EF4-FFF2-40B4-BE49-F238E27FC236}">
+                  <a16:creationId xmlns:a16="http://schemas.microsoft.com/office/drawing/2014/main" id="{D71B1561-5A46-42B5-8A09-FF5D960DC74A}"/>
+                </a:ext>
+              </a:extLst>
+            </p:cNvPr>
+            <p:cNvPicPr>
+              <a:picLocks noChangeAspect="1"/>
+            </p:cNvPicPr>
+            <p:nvPr/>
+          </p:nvPicPr>
+          <p:blipFill rotWithShape="1">
+            <a:blip r:embed="rId5" cstate="print">
+              <a:extLst>
+                <a:ext uri="{28A0092B-C50C-407E-A947-70E740481C1C}">
+                  <a14:useLocalDpi xmlns:a14="http://schemas.microsoft.com/office/drawing/2010/main" val="0"/>
+                </a:ext>
+              </a:extLst>
+            </a:blip>
+            <a:srcRect l="9524" t="1886" r="9127" b="78805"/>
+            <a:stretch/>
+          </p:blipFill>
+          <p:spPr>
+            <a:xfrm>
+              <a:off x="9353462" y="4844100"/>
+              <a:ext cx="1857333" cy="1007649"/>
+            </a:xfrm>
+            <a:prstGeom prst="rect">
+              <a:avLst/>
+            </a:prstGeom>
+            <a:ln w="57150">
+              <a:solidFill>
+                <a:srgbClr val="93AAE3"/>
+              </a:solidFill>
+            </a:ln>
+          </p:spPr>
+        </p:pic>
+        <p:sp>
+          <p:nvSpPr>
+            <p:cNvPr id="15" name="TextBox 14">
+              <a:extLst>
+                <a:ext uri="{FF2B5EF4-FFF2-40B4-BE49-F238E27FC236}">
+                  <a16:creationId xmlns:a16="http://schemas.microsoft.com/office/drawing/2014/main" id="{F614EF48-2A47-4C8F-862A-939FCF495104}"/>
+                </a:ext>
+              </a:extLst>
+            </p:cNvPr>
+            <p:cNvSpPr txBox="1"/>
+            <p:nvPr/>
+          </p:nvSpPr>
+          <p:spPr>
+            <a:xfrm>
+              <a:off x="9524830" y="3334124"/>
+              <a:ext cx="1514597" cy="307777"/>
+            </a:xfrm>
+            <a:prstGeom prst="rect">
+              <a:avLst/>
+            </a:prstGeom>
+            <a:solidFill>
+              <a:schemeClr val="tx2">
+                <a:lumMod val="40000"/>
+                <a:lumOff val="60000"/>
+              </a:schemeClr>
+            </a:solidFill>
+          </p:spPr>
+          <p:style>
+            <a:lnRef idx="2">
+              <a:schemeClr val="accent3"/>
+            </a:lnRef>
+            <a:fillRef idx="1">
+              <a:schemeClr val="lt1"/>
+            </a:fillRef>
+            <a:effectRef idx="0">
+              <a:schemeClr val="accent3"/>
+            </a:effectRef>
+            <a:fontRef idx="minor">
+              <a:schemeClr val="dk1"/>
+            </a:fontRef>
+          </p:style>
+          <p:txBody>
+            <a:bodyPr wrap="square" rtlCol="0">
+              <a:spAutoFit/>
+            </a:bodyPr>
+            <a:lstStyle/>
+            <a:p>
+              <a:pPr algn="ctr"/>
+              <a:r>
+                <a:rPr lang="en-US" sz="1400" dirty="0" err="1"/>
+                <a:t>decision_CMC</a:t>
+              </a:r>
+              <a:r>
+                <a:rPr lang="en-US" sz="1400" dirty="0"/>
+                <a:t>()</a:t>
+              </a:r>
+            </a:p>
+          </p:txBody>
+        </p:sp>
+      </p:grpSp>
     </p:spTree>
     <p:extLst>
       <p:ext uri="{BB962C8B-B14F-4D97-AF65-F5344CB8AC3E}">
-        <p14:creationId xmlns:p14="http://schemas.microsoft.com/office/powerpoint/2010/main" val="3767905461"/>
+        <p14:creationId xmlns:p14="http://schemas.microsoft.com/office/powerpoint/2010/main" val="725125735"/>
       </p:ext>
     </p:extLst>
   </p:cSld>
@@ -5216,7 +6315,7 @@
           <p:cNvPr id="2" name="Title 1">
             <a:extLst>
               <a:ext uri="{FF2B5EF4-FFF2-40B4-BE49-F238E27FC236}">
-                <a16:creationId xmlns:a16="http://schemas.microsoft.com/office/drawing/2014/main" id="{3016D6D0-7D49-4B2E-BC44-9F7FAA66A52E}"/>
+                <a16:creationId xmlns:a16="http://schemas.microsoft.com/office/drawing/2014/main" id="{B45019B5-1840-41B2-A58F-9404090FC860}"/>
               </a:ext>
             </a:extLst>
           </p:cNvPr>
@@ -5233,12 +6332,8 @@
           <a:lstStyle/>
           <a:p>
             <a:r>
-              <a:rPr lang="en-US" dirty="0" err="1"/>
-              <a:t>cmcR</a:t>
-            </a:r>
-            <a:r>
               <a:rPr lang="en-US" dirty="0"/>
-              <a:t> Pipeline</a:t>
+              <a:t>CMC Pipeline Experimentation</a:t>
             </a:r>
           </a:p>
         </p:txBody>
@@ -5248,7 +6343,7 @@
           <p:cNvPr id="3" name="Content Placeholder 2">
             <a:extLst>
               <a:ext uri="{FF2B5EF4-FFF2-40B4-BE49-F238E27FC236}">
-                <a16:creationId xmlns:a16="http://schemas.microsoft.com/office/drawing/2014/main" id="{EA3C62A2-3711-4378-9700-DCF41D0A014F}"/>
+                <a16:creationId xmlns:a16="http://schemas.microsoft.com/office/drawing/2014/main" id="{C7A002A0-DF75-4320-A8CF-6E5B7159CFAA}"/>
               </a:ext>
             </a:extLst>
           </p:cNvPr>
@@ -5266,48 +6361,370 @@
           <a:p>
             <a:r>
               <a:rPr lang="en-US" dirty="0"/>
-              <a:t>[Some sort of diagram showing something like:</a:t>
-            </a:r>
-          </a:p>
-          <a:p>
-            <a:pPr lvl="1"/>
+              <a:t>Modularization enables experimentation with particular steps</a:t>
+            </a:r>
+          </a:p>
+          <a:p>
+            <a:endParaRPr lang="en-US" dirty="0"/>
+          </a:p>
+          <a:p>
+            <a:endParaRPr lang="en-US" dirty="0"/>
+          </a:p>
+          <a:p>
+            <a:endParaRPr lang="en-US" dirty="0"/>
+          </a:p>
+          <a:p>
+            <a:endParaRPr lang="en-US" dirty="0"/>
+          </a:p>
+          <a:p>
             <a:r>
               <a:rPr lang="en-US" dirty="0"/>
-              <a:t>Starting data %&gt;%</a:t>
-            </a:r>
-          </a:p>
-          <a:p>
-            <a:pPr lvl="2"/>
-            <a:r>
-              <a:rPr lang="en-US" dirty="0"/>
-              <a:t>Preprocessing step %&gt;%</a:t>
-            </a:r>
-          </a:p>
-          <a:p>
-            <a:pPr lvl="2"/>
-            <a:r>
-              <a:rPr lang="en-US" dirty="0"/>
-              <a:t>Processing step %&gt;%</a:t>
-            </a:r>
-          </a:p>
-          <a:p>
-            <a:pPr lvl="2"/>
-            <a:r>
-              <a:rPr lang="en-US" dirty="0"/>
-              <a:t>Final results</a:t>
-            </a:r>
-          </a:p>
-          <a:p>
-            <a:pPr lvl="1"/>
-            <a:r>
-              <a:rPr lang="en-US" dirty="0"/>
-              <a:t>Emphasizing the pipe operator as the connection between steps</a:t>
-            </a:r>
-          </a:p>
-          <a:p>
-            <a:r>
-              <a:rPr lang="en-US" dirty="0"/>
-              <a:t>Maybe have conceptual pipeline on the left-hand side and actual code on the right hand-side, both connecting broad stages to each other with the pipe operator]</a:t>
+              <a:t>[Include picture with/without trends removed from two matches]</a:t>
+            </a:r>
+          </a:p>
+        </p:txBody>
+      </p:sp>
+      <p:sp>
+        <p:nvSpPr>
+          <p:cNvPr id="4" name="TextBox 3">
+            <a:extLst>
+              <a:ext uri="{FF2B5EF4-FFF2-40B4-BE49-F238E27FC236}">
+                <a16:creationId xmlns:a16="http://schemas.microsoft.com/office/drawing/2014/main" id="{5C1EEF47-E410-466E-A88D-A42287A88390}"/>
+              </a:ext>
+            </a:extLst>
+          </p:cNvPr>
+          <p:cNvSpPr txBox="1"/>
+          <p:nvPr/>
+        </p:nvSpPr>
+        <p:spPr>
+          <a:xfrm>
+            <a:off x="604036" y="2980444"/>
+            <a:ext cx="1887748" cy="307777"/>
+          </a:xfrm>
+          <a:prstGeom prst="rect">
+            <a:avLst/>
+          </a:prstGeom>
+          <a:solidFill>
+            <a:schemeClr val="bg1">
+              <a:lumMod val="90000"/>
+            </a:schemeClr>
+          </a:solidFill>
+        </p:spPr>
+        <p:style>
+          <a:lnRef idx="2">
+            <a:schemeClr val="dk1"/>
+          </a:lnRef>
+          <a:fillRef idx="1">
+            <a:schemeClr val="lt1"/>
+          </a:fillRef>
+          <a:effectRef idx="0">
+            <a:schemeClr val="dk1"/>
+          </a:effectRef>
+          <a:fontRef idx="minor">
+            <a:schemeClr val="dk1"/>
+          </a:fontRef>
+        </p:style>
+        <p:txBody>
+          <a:bodyPr wrap="square" rtlCol="0">
+            <a:spAutoFit/>
+          </a:bodyPr>
+          <a:lstStyle/>
+          <a:p>
+            <a:pPr algn="ctr"/>
+            <a:r>
+              <a:rPr lang="en-US" sz="1400" dirty="0"/>
+              <a:t>Cartridge Cases %&gt;%</a:t>
+            </a:r>
+          </a:p>
+        </p:txBody>
+      </p:sp>
+      <p:sp>
+        <p:nvSpPr>
+          <p:cNvPr id="5" name="TextBox 4">
+            <a:extLst>
+              <a:ext uri="{FF2B5EF4-FFF2-40B4-BE49-F238E27FC236}">
+                <a16:creationId xmlns:a16="http://schemas.microsoft.com/office/drawing/2014/main" id="{6CE94D3F-4725-4DCF-A388-97028DF4390A}"/>
+              </a:ext>
+            </a:extLst>
+          </p:cNvPr>
+          <p:cNvSpPr txBox="1"/>
+          <p:nvPr/>
+        </p:nvSpPr>
+        <p:spPr>
+          <a:xfrm>
+            <a:off x="3289438" y="2514935"/>
+            <a:ext cx="2066150" cy="307777"/>
+          </a:xfrm>
+          <a:prstGeom prst="rect">
+            <a:avLst/>
+          </a:prstGeom>
+          <a:solidFill>
+            <a:srgbClr val="FEDD5E"/>
+          </a:solidFill>
+        </p:spPr>
+        <p:style>
+          <a:lnRef idx="2">
+            <a:schemeClr val="accent5"/>
+          </a:lnRef>
+          <a:fillRef idx="1">
+            <a:schemeClr val="lt1"/>
+          </a:fillRef>
+          <a:effectRef idx="0">
+            <a:schemeClr val="accent5"/>
+          </a:effectRef>
+          <a:fontRef idx="minor">
+            <a:schemeClr val="dk1"/>
+          </a:fontRef>
+        </p:style>
+        <p:txBody>
+          <a:bodyPr wrap="square" rtlCol="0">
+            <a:spAutoFit/>
+          </a:bodyPr>
+          <a:lstStyle/>
+          <a:p>
+            <a:pPr algn="ctr"/>
+            <a:r>
+              <a:rPr lang="en-US" sz="1400" dirty="0" err="1"/>
+              <a:t>preProcess_crop</a:t>
+            </a:r>
+            <a:r>
+              <a:rPr lang="en-US" sz="1400" dirty="0"/>
+              <a:t>() %&gt;%</a:t>
+            </a:r>
+          </a:p>
+        </p:txBody>
+      </p:sp>
+      <p:sp>
+        <p:nvSpPr>
+          <p:cNvPr id="6" name="TextBox 5">
+            <a:extLst>
+              <a:ext uri="{FF2B5EF4-FFF2-40B4-BE49-F238E27FC236}">
+                <a16:creationId xmlns:a16="http://schemas.microsoft.com/office/drawing/2014/main" id="{D1399632-3965-4E06-9993-81CE6751ECAD}"/>
+              </a:ext>
+            </a:extLst>
+          </p:cNvPr>
+          <p:cNvSpPr txBox="1"/>
+          <p:nvPr/>
+        </p:nvSpPr>
+        <p:spPr>
+          <a:xfrm>
+            <a:off x="2953022" y="2948746"/>
+            <a:ext cx="2738982" cy="307777"/>
+          </a:xfrm>
+          <a:prstGeom prst="rect">
+            <a:avLst/>
+          </a:prstGeom>
+          <a:solidFill>
+            <a:srgbClr val="FEDD5E"/>
+          </a:solidFill>
+          <a:ln w="57150">
+            <a:solidFill>
+              <a:schemeClr val="tx1"/>
+            </a:solidFill>
+          </a:ln>
+        </p:spPr>
+        <p:style>
+          <a:lnRef idx="2">
+            <a:schemeClr val="accent5"/>
+          </a:lnRef>
+          <a:fillRef idx="1">
+            <a:schemeClr val="lt1"/>
+          </a:fillRef>
+          <a:effectRef idx="0">
+            <a:schemeClr val="accent5"/>
+          </a:effectRef>
+          <a:fontRef idx="minor">
+            <a:schemeClr val="dk1"/>
+          </a:fontRef>
+        </p:style>
+        <p:txBody>
+          <a:bodyPr wrap="square" rtlCol="0">
+            <a:spAutoFit/>
+          </a:bodyPr>
+          <a:lstStyle/>
+          <a:p>
+            <a:pPr algn="ctr"/>
+            <a:r>
+              <a:rPr lang="en-US" sz="1400" dirty="0" err="1"/>
+              <a:t>preProcess_removeTrend</a:t>
+            </a:r>
+            <a:r>
+              <a:rPr lang="en-US" sz="1400" dirty="0"/>
+              <a:t>() %&gt;%</a:t>
+            </a:r>
+          </a:p>
+        </p:txBody>
+      </p:sp>
+      <p:sp>
+        <p:nvSpPr>
+          <p:cNvPr id="7" name="TextBox 6">
+            <a:extLst>
+              <a:ext uri="{FF2B5EF4-FFF2-40B4-BE49-F238E27FC236}">
+                <a16:creationId xmlns:a16="http://schemas.microsoft.com/office/drawing/2014/main" id="{6DB1F3E8-9C6C-43FA-9B33-B31FD48A2523}"/>
+              </a:ext>
+            </a:extLst>
+          </p:cNvPr>
+          <p:cNvSpPr txBox="1"/>
+          <p:nvPr/>
+        </p:nvSpPr>
+        <p:spPr>
+          <a:xfrm>
+            <a:off x="3014612" y="3445953"/>
+            <a:ext cx="2615802" cy="307777"/>
+          </a:xfrm>
+          <a:prstGeom prst="rect">
+            <a:avLst/>
+          </a:prstGeom>
+          <a:solidFill>
+            <a:srgbClr val="FEDD5E"/>
+          </a:solidFill>
+        </p:spPr>
+        <p:style>
+          <a:lnRef idx="2">
+            <a:schemeClr val="accent5"/>
+          </a:lnRef>
+          <a:fillRef idx="1">
+            <a:schemeClr val="lt1"/>
+          </a:fillRef>
+          <a:effectRef idx="0">
+            <a:schemeClr val="accent5"/>
+          </a:effectRef>
+          <a:fontRef idx="minor">
+            <a:schemeClr val="dk1"/>
+          </a:fontRef>
+        </p:style>
+        <p:txBody>
+          <a:bodyPr wrap="square" rtlCol="0">
+            <a:spAutoFit/>
+          </a:bodyPr>
+          <a:lstStyle/>
+          <a:p>
+            <a:pPr algn="ctr"/>
+            <a:r>
+              <a:rPr lang="en-US" sz="1400" dirty="0" err="1"/>
+              <a:t>preProcess_gaussFilter</a:t>
+            </a:r>
+            <a:r>
+              <a:rPr lang="en-US" sz="1400" dirty="0"/>
+              <a:t>() %&gt;%</a:t>
+            </a:r>
+          </a:p>
+        </p:txBody>
+      </p:sp>
+      <p:sp>
+        <p:nvSpPr>
+          <p:cNvPr id="8" name="TextBox 7">
+            <a:extLst>
+              <a:ext uri="{FF2B5EF4-FFF2-40B4-BE49-F238E27FC236}">
+                <a16:creationId xmlns:a16="http://schemas.microsoft.com/office/drawing/2014/main" id="{F7FAB0D3-08EA-4581-94A6-463922096E01}"/>
+              </a:ext>
+            </a:extLst>
+          </p:cNvPr>
+          <p:cNvSpPr txBox="1"/>
+          <p:nvPr/>
+        </p:nvSpPr>
+        <p:spPr>
+          <a:xfrm>
+            <a:off x="6153242" y="2980444"/>
+            <a:ext cx="2738982" cy="307777"/>
+          </a:xfrm>
+          <a:prstGeom prst="rect">
+            <a:avLst/>
+          </a:prstGeom>
+          <a:solidFill>
+            <a:schemeClr val="accent2">
+              <a:lumMod val="40000"/>
+              <a:lumOff val="60000"/>
+            </a:schemeClr>
+          </a:solidFill>
+        </p:spPr>
+        <p:style>
+          <a:lnRef idx="2">
+            <a:schemeClr val="accent2"/>
+          </a:lnRef>
+          <a:fillRef idx="1">
+            <a:schemeClr val="lt1"/>
+          </a:fillRef>
+          <a:effectRef idx="0">
+            <a:schemeClr val="accent2"/>
+          </a:effectRef>
+          <a:fontRef idx="minor">
+            <a:schemeClr val="dk1"/>
+          </a:fontRef>
+        </p:style>
+        <p:txBody>
+          <a:bodyPr wrap="square" rtlCol="0">
+            <a:spAutoFit/>
+          </a:bodyPr>
+          <a:lstStyle/>
+          <a:p>
+            <a:pPr algn="ctr"/>
+            <a:r>
+              <a:rPr lang="en-US" sz="1400" dirty="0" err="1"/>
+              <a:t>comparison_allTogether</a:t>
+            </a:r>
+            <a:r>
+              <a:rPr lang="en-US" sz="1400" dirty="0"/>
+              <a:t>() %&gt;%</a:t>
+            </a:r>
+          </a:p>
+        </p:txBody>
+      </p:sp>
+      <p:sp>
+        <p:nvSpPr>
+          <p:cNvPr id="9" name="TextBox 8">
+            <a:extLst>
+              <a:ext uri="{FF2B5EF4-FFF2-40B4-BE49-F238E27FC236}">
+                <a16:creationId xmlns:a16="http://schemas.microsoft.com/office/drawing/2014/main" id="{02BD10A1-B1F3-4040-8C6F-5C1E2A72283E}"/>
+              </a:ext>
+            </a:extLst>
+          </p:cNvPr>
+          <p:cNvSpPr txBox="1"/>
+          <p:nvPr/>
+        </p:nvSpPr>
+        <p:spPr>
+          <a:xfrm>
+            <a:off x="9524830" y="2980444"/>
+            <a:ext cx="1514597" cy="307777"/>
+          </a:xfrm>
+          <a:prstGeom prst="rect">
+            <a:avLst/>
+          </a:prstGeom>
+          <a:solidFill>
+            <a:schemeClr val="tx2">
+              <a:lumMod val="40000"/>
+              <a:lumOff val="60000"/>
+            </a:schemeClr>
+          </a:solidFill>
+        </p:spPr>
+        <p:style>
+          <a:lnRef idx="2">
+            <a:schemeClr val="accent3"/>
+          </a:lnRef>
+          <a:fillRef idx="1">
+            <a:schemeClr val="lt1"/>
+          </a:fillRef>
+          <a:effectRef idx="0">
+            <a:schemeClr val="accent3"/>
+          </a:effectRef>
+          <a:fontRef idx="minor">
+            <a:schemeClr val="dk1"/>
+          </a:fontRef>
+        </p:style>
+        <p:txBody>
+          <a:bodyPr wrap="square" rtlCol="0">
+            <a:spAutoFit/>
+          </a:bodyPr>
+          <a:lstStyle/>
+          <a:p>
+            <a:pPr algn="ctr"/>
+            <a:r>
+              <a:rPr lang="en-US" sz="1400" dirty="0" err="1"/>
+              <a:t>decision_CMC</a:t>
+            </a:r>
+            <a:r>
+              <a:rPr lang="en-US" sz="1400" dirty="0"/>
+              <a:t>()</a:t>
             </a:r>
           </a:p>
         </p:txBody>
@@ -5315,7 +6732,7 @@
     </p:spTree>
     <p:extLst>
       <p:ext uri="{BB962C8B-B14F-4D97-AF65-F5344CB8AC3E}">
-        <p14:creationId xmlns:p14="http://schemas.microsoft.com/office/powerpoint/2010/main" val="725125735"/>
+        <p14:creationId xmlns:p14="http://schemas.microsoft.com/office/powerpoint/2010/main" val="1903881528"/>
       </p:ext>
     </p:extLst>
   </p:cSld>
